--- a/Task 3/Jon Fryman - D214 - Task 3.pptx
+++ b/Task 3/Jon Fryman - D214 - Task 3.pptx
@@ -4,6 +4,9 @@
   <p:sldMasterIdLst>
     <p:sldMasterId id="2147483648" r:id="rId1"/>
   </p:sldMasterIdLst>
+  <p:notesMasterIdLst>
+    <p:notesMasterId r:id="rId11"/>
+  </p:notesMasterIdLst>
   <p:sldIdLst>
     <p:sldId id="256" r:id="rId2"/>
     <p:sldId id="257" r:id="rId3"/>
@@ -11,10 +14,9 @@
     <p:sldId id="260" r:id="rId5"/>
     <p:sldId id="261" r:id="rId6"/>
     <p:sldId id="262" r:id="rId7"/>
-    <p:sldId id="264" r:id="rId8"/>
-    <p:sldId id="265" r:id="rId9"/>
-    <p:sldId id="266" r:id="rId10"/>
-    <p:sldId id="263" r:id="rId11"/>
+    <p:sldId id="265" r:id="rId8"/>
+    <p:sldId id="266" r:id="rId9"/>
+    <p:sldId id="267" r:id="rId10"/>
   </p:sldIdLst>
   <p:sldSz cx="12192000" cy="6858000"/>
   <p:notesSz cx="6858000" cy="9144000"/>
@@ -119,6 +121,1583 @@
     </p:ext>
   </p:extLst>
 </p:presentation>
+</file>
+
+<file path=ppt/notesMasters/notesMaster1.xml><?xml version="1.0" encoding="utf-8"?>
+<p:notesMaster xmlns:a="http://schemas.openxmlformats.org/drawingml/2006/main" xmlns:r="http://schemas.openxmlformats.org/officeDocument/2006/relationships" xmlns:p="http://schemas.openxmlformats.org/presentationml/2006/main">
+  <p:cSld>
+    <p:bg>
+      <p:bgRef idx="1001">
+        <a:schemeClr val="bg1"/>
+      </p:bgRef>
+    </p:bg>
+    <p:spTree>
+      <p:nvGrpSpPr>
+        <p:cNvPr id="1" name=""/>
+        <p:cNvGrpSpPr/>
+        <p:nvPr/>
+      </p:nvGrpSpPr>
+      <p:grpSpPr>
+        <a:xfrm>
+          <a:off x="0" y="0"/>
+          <a:ext cx="0" cy="0"/>
+          <a:chOff x="0" y="0"/>
+          <a:chExt cx="0" cy="0"/>
+        </a:xfrm>
+      </p:grpSpPr>
+      <p:sp>
+        <p:nvSpPr>
+          <p:cNvPr id="2" name="Header Placeholder 1"/>
+          <p:cNvSpPr>
+            <a:spLocks noGrp="1"/>
+          </p:cNvSpPr>
+          <p:nvPr>
+            <p:ph type="hdr" sz="quarter"/>
+          </p:nvPr>
+        </p:nvSpPr>
+        <p:spPr>
+          <a:xfrm>
+            <a:off x="0" y="0"/>
+            <a:ext cx="2971800" cy="458788"/>
+          </a:xfrm>
+          <a:prstGeom prst="rect">
+            <a:avLst/>
+          </a:prstGeom>
+        </p:spPr>
+        <p:txBody>
+          <a:bodyPr vert="horz" lIns="91440" tIns="45720" rIns="91440" bIns="45720" rtlCol="0"/>
+          <a:lstStyle>
+            <a:lvl1pPr algn="l">
+              <a:defRPr sz="1200"/>
+            </a:lvl1pPr>
+          </a:lstStyle>
+          <a:p>
+            <a:endParaRPr lang="en-US"/>
+          </a:p>
+        </p:txBody>
+      </p:sp>
+      <p:sp>
+        <p:nvSpPr>
+          <p:cNvPr id="3" name="Date Placeholder 2"/>
+          <p:cNvSpPr>
+            <a:spLocks noGrp="1"/>
+          </p:cNvSpPr>
+          <p:nvPr>
+            <p:ph type="dt" idx="1"/>
+          </p:nvPr>
+        </p:nvSpPr>
+        <p:spPr>
+          <a:xfrm>
+            <a:off x="3884613" y="0"/>
+            <a:ext cx="2971800" cy="458788"/>
+          </a:xfrm>
+          <a:prstGeom prst="rect">
+            <a:avLst/>
+          </a:prstGeom>
+        </p:spPr>
+        <p:txBody>
+          <a:bodyPr vert="horz" lIns="91440" tIns="45720" rIns="91440" bIns="45720" rtlCol="0"/>
+          <a:lstStyle>
+            <a:lvl1pPr algn="r">
+              <a:defRPr sz="1200"/>
+            </a:lvl1pPr>
+          </a:lstStyle>
+          <a:p>
+            <a:fld id="{B6EA8CAD-F671-C648-AD69-01DFC2C6504D}" type="datetimeFigureOut">
+              <a:rPr lang="en-US" smtClean="0"/>
+              <a:t>3/20/23</a:t>
+            </a:fld>
+            <a:endParaRPr lang="en-US"/>
+          </a:p>
+        </p:txBody>
+      </p:sp>
+      <p:sp>
+        <p:nvSpPr>
+          <p:cNvPr id="4" name="Slide Image Placeholder 3"/>
+          <p:cNvSpPr>
+            <a:spLocks noGrp="1" noRot="1" noChangeAspect="1"/>
+          </p:cNvSpPr>
+          <p:nvPr>
+            <p:ph type="sldImg" idx="2"/>
+          </p:nvPr>
+        </p:nvSpPr>
+        <p:spPr>
+          <a:xfrm>
+            <a:off x="685800" y="1143000"/>
+            <a:ext cx="5486400" cy="3086100"/>
+          </a:xfrm>
+          <a:prstGeom prst="rect">
+            <a:avLst/>
+          </a:prstGeom>
+          <a:noFill/>
+          <a:ln w="12700">
+            <a:solidFill>
+              <a:prstClr val="black"/>
+            </a:solidFill>
+          </a:ln>
+        </p:spPr>
+        <p:txBody>
+          <a:bodyPr vert="horz" lIns="91440" tIns="45720" rIns="91440" bIns="45720" rtlCol="0" anchor="ctr"/>
+          <a:lstStyle/>
+          <a:p>
+            <a:endParaRPr lang="en-US"/>
+          </a:p>
+        </p:txBody>
+      </p:sp>
+      <p:sp>
+        <p:nvSpPr>
+          <p:cNvPr id="5" name="Notes Placeholder 4"/>
+          <p:cNvSpPr>
+            <a:spLocks noGrp="1"/>
+          </p:cNvSpPr>
+          <p:nvPr>
+            <p:ph type="body" sz="quarter" idx="3"/>
+          </p:nvPr>
+        </p:nvSpPr>
+        <p:spPr>
+          <a:xfrm>
+            <a:off x="685800" y="4400550"/>
+            <a:ext cx="5486400" cy="3600450"/>
+          </a:xfrm>
+          <a:prstGeom prst="rect">
+            <a:avLst/>
+          </a:prstGeom>
+        </p:spPr>
+        <p:txBody>
+          <a:bodyPr vert="horz" lIns="91440" tIns="45720" rIns="91440" bIns="45720" rtlCol="0"/>
+          <a:lstStyle/>
+          <a:p>
+            <a:pPr lvl="0"/>
+            <a:r>
+              <a:rPr lang="en-US"/>
+              <a:t>Click to edit Master text styles</a:t>
+            </a:r>
+          </a:p>
+          <a:p>
+            <a:pPr lvl="1"/>
+            <a:r>
+              <a:rPr lang="en-US"/>
+              <a:t>Second level</a:t>
+            </a:r>
+          </a:p>
+          <a:p>
+            <a:pPr lvl="2"/>
+            <a:r>
+              <a:rPr lang="en-US"/>
+              <a:t>Third level</a:t>
+            </a:r>
+          </a:p>
+          <a:p>
+            <a:pPr lvl="3"/>
+            <a:r>
+              <a:rPr lang="en-US"/>
+              <a:t>Fourth level</a:t>
+            </a:r>
+          </a:p>
+          <a:p>
+            <a:pPr lvl="4"/>
+            <a:r>
+              <a:rPr lang="en-US"/>
+              <a:t>Fifth level</a:t>
+            </a:r>
+          </a:p>
+        </p:txBody>
+      </p:sp>
+      <p:sp>
+        <p:nvSpPr>
+          <p:cNvPr id="6" name="Footer Placeholder 5"/>
+          <p:cNvSpPr>
+            <a:spLocks noGrp="1"/>
+          </p:cNvSpPr>
+          <p:nvPr>
+            <p:ph type="ftr" sz="quarter" idx="4"/>
+          </p:nvPr>
+        </p:nvSpPr>
+        <p:spPr>
+          <a:xfrm>
+            <a:off x="0" y="8685213"/>
+            <a:ext cx="2971800" cy="458787"/>
+          </a:xfrm>
+          <a:prstGeom prst="rect">
+            <a:avLst/>
+          </a:prstGeom>
+        </p:spPr>
+        <p:txBody>
+          <a:bodyPr vert="horz" lIns="91440" tIns="45720" rIns="91440" bIns="45720" rtlCol="0" anchor="b"/>
+          <a:lstStyle>
+            <a:lvl1pPr algn="l">
+              <a:defRPr sz="1200"/>
+            </a:lvl1pPr>
+          </a:lstStyle>
+          <a:p>
+            <a:endParaRPr lang="en-US"/>
+          </a:p>
+        </p:txBody>
+      </p:sp>
+      <p:sp>
+        <p:nvSpPr>
+          <p:cNvPr id="7" name="Slide Number Placeholder 6"/>
+          <p:cNvSpPr>
+            <a:spLocks noGrp="1"/>
+          </p:cNvSpPr>
+          <p:nvPr>
+            <p:ph type="sldNum" sz="quarter" idx="5"/>
+          </p:nvPr>
+        </p:nvSpPr>
+        <p:spPr>
+          <a:xfrm>
+            <a:off x="3884613" y="8685213"/>
+            <a:ext cx="2971800" cy="458787"/>
+          </a:xfrm>
+          <a:prstGeom prst="rect">
+            <a:avLst/>
+          </a:prstGeom>
+        </p:spPr>
+        <p:txBody>
+          <a:bodyPr vert="horz" lIns="91440" tIns="45720" rIns="91440" bIns="45720" rtlCol="0" anchor="b"/>
+          <a:lstStyle>
+            <a:lvl1pPr algn="r">
+              <a:defRPr sz="1200"/>
+            </a:lvl1pPr>
+          </a:lstStyle>
+          <a:p>
+            <a:fld id="{58DB3EFE-E5D6-9F46-A485-0D1A1B98F39B}" type="slidenum">
+              <a:rPr lang="en-US" smtClean="0"/>
+              <a:t>‹#›</a:t>
+            </a:fld>
+            <a:endParaRPr lang="en-US"/>
+          </a:p>
+        </p:txBody>
+      </p:sp>
+    </p:spTree>
+    <p:extLst>
+      <p:ext uri="{BB962C8B-B14F-4D97-AF65-F5344CB8AC3E}">
+        <p14:creationId xmlns:p14="http://schemas.microsoft.com/office/powerpoint/2010/main" val="3814461642"/>
+      </p:ext>
+    </p:extLst>
+  </p:cSld>
+  <p:clrMap bg1="lt1" tx1="dk1" bg2="lt2" tx2="dk2" accent1="accent1" accent2="accent2" accent3="accent3" accent4="accent4" accent5="accent5" accent6="accent6" hlink="hlink" folHlink="folHlink"/>
+  <p:notesStyle>
+    <a:lvl1pPr marL="0" algn="l" defTabSz="914400" rtl="0" eaLnBrk="1" latinLnBrk="0" hangingPunct="1">
+      <a:defRPr sz="1200" kern="1200">
+        <a:solidFill>
+          <a:schemeClr val="tx1"/>
+        </a:solidFill>
+        <a:latin typeface="+mn-lt"/>
+        <a:ea typeface="+mn-ea"/>
+        <a:cs typeface="+mn-cs"/>
+      </a:defRPr>
+    </a:lvl1pPr>
+    <a:lvl2pPr marL="457200" algn="l" defTabSz="914400" rtl="0" eaLnBrk="1" latinLnBrk="0" hangingPunct="1">
+      <a:defRPr sz="1200" kern="1200">
+        <a:solidFill>
+          <a:schemeClr val="tx1"/>
+        </a:solidFill>
+        <a:latin typeface="+mn-lt"/>
+        <a:ea typeface="+mn-ea"/>
+        <a:cs typeface="+mn-cs"/>
+      </a:defRPr>
+    </a:lvl2pPr>
+    <a:lvl3pPr marL="914400" algn="l" defTabSz="914400" rtl="0" eaLnBrk="1" latinLnBrk="0" hangingPunct="1">
+      <a:defRPr sz="1200" kern="1200">
+        <a:solidFill>
+          <a:schemeClr val="tx1"/>
+        </a:solidFill>
+        <a:latin typeface="+mn-lt"/>
+        <a:ea typeface="+mn-ea"/>
+        <a:cs typeface="+mn-cs"/>
+      </a:defRPr>
+    </a:lvl3pPr>
+    <a:lvl4pPr marL="1371600" algn="l" defTabSz="914400" rtl="0" eaLnBrk="1" latinLnBrk="0" hangingPunct="1">
+      <a:defRPr sz="1200" kern="1200">
+        <a:solidFill>
+          <a:schemeClr val="tx1"/>
+        </a:solidFill>
+        <a:latin typeface="+mn-lt"/>
+        <a:ea typeface="+mn-ea"/>
+        <a:cs typeface="+mn-cs"/>
+      </a:defRPr>
+    </a:lvl4pPr>
+    <a:lvl5pPr marL="1828800" algn="l" defTabSz="914400" rtl="0" eaLnBrk="1" latinLnBrk="0" hangingPunct="1">
+      <a:defRPr sz="1200" kern="1200">
+        <a:solidFill>
+          <a:schemeClr val="tx1"/>
+        </a:solidFill>
+        <a:latin typeface="+mn-lt"/>
+        <a:ea typeface="+mn-ea"/>
+        <a:cs typeface="+mn-cs"/>
+      </a:defRPr>
+    </a:lvl5pPr>
+    <a:lvl6pPr marL="2286000" algn="l" defTabSz="914400" rtl="0" eaLnBrk="1" latinLnBrk="0" hangingPunct="1">
+      <a:defRPr sz="1200" kern="1200">
+        <a:solidFill>
+          <a:schemeClr val="tx1"/>
+        </a:solidFill>
+        <a:latin typeface="+mn-lt"/>
+        <a:ea typeface="+mn-ea"/>
+        <a:cs typeface="+mn-cs"/>
+      </a:defRPr>
+    </a:lvl6pPr>
+    <a:lvl7pPr marL="2743200" algn="l" defTabSz="914400" rtl="0" eaLnBrk="1" latinLnBrk="0" hangingPunct="1">
+      <a:defRPr sz="1200" kern="1200">
+        <a:solidFill>
+          <a:schemeClr val="tx1"/>
+        </a:solidFill>
+        <a:latin typeface="+mn-lt"/>
+        <a:ea typeface="+mn-ea"/>
+        <a:cs typeface="+mn-cs"/>
+      </a:defRPr>
+    </a:lvl7pPr>
+    <a:lvl8pPr marL="3200400" algn="l" defTabSz="914400" rtl="0" eaLnBrk="1" latinLnBrk="0" hangingPunct="1">
+      <a:defRPr sz="1200" kern="1200">
+        <a:solidFill>
+          <a:schemeClr val="tx1"/>
+        </a:solidFill>
+        <a:latin typeface="+mn-lt"/>
+        <a:ea typeface="+mn-ea"/>
+        <a:cs typeface="+mn-cs"/>
+      </a:defRPr>
+    </a:lvl8pPr>
+    <a:lvl9pPr marL="3657600" algn="l" defTabSz="914400" rtl="0" eaLnBrk="1" latinLnBrk="0" hangingPunct="1">
+      <a:defRPr sz="1200" kern="1200">
+        <a:solidFill>
+          <a:schemeClr val="tx1"/>
+        </a:solidFill>
+        <a:latin typeface="+mn-lt"/>
+        <a:ea typeface="+mn-ea"/>
+        <a:cs typeface="+mn-cs"/>
+      </a:defRPr>
+    </a:lvl9pPr>
+  </p:notesStyle>
+</p:notesMaster>
+</file>
+
+<file path=ppt/notesSlides/notesSlide1.xml><?xml version="1.0" encoding="utf-8"?>
+<p:notes xmlns:a="http://schemas.openxmlformats.org/drawingml/2006/main" xmlns:r="http://schemas.openxmlformats.org/officeDocument/2006/relationships" xmlns:p="http://schemas.openxmlformats.org/presentationml/2006/main">
+  <p:cSld>
+    <p:spTree>
+      <p:nvGrpSpPr>
+        <p:cNvPr id="1" name=""/>
+        <p:cNvGrpSpPr/>
+        <p:nvPr/>
+      </p:nvGrpSpPr>
+      <p:grpSpPr>
+        <a:xfrm>
+          <a:off x="0" y="0"/>
+          <a:ext cx="0" cy="0"/>
+          <a:chOff x="0" y="0"/>
+          <a:chExt cx="0" cy="0"/>
+        </a:xfrm>
+      </p:grpSpPr>
+      <p:sp>
+        <p:nvSpPr>
+          <p:cNvPr id="2" name="Slide Image Placeholder 1"/>
+          <p:cNvSpPr>
+            <a:spLocks noGrp="1" noRot="1" noChangeAspect="1"/>
+          </p:cNvSpPr>
+          <p:nvPr>
+            <p:ph type="sldImg"/>
+          </p:nvPr>
+        </p:nvSpPr>
+        <p:spPr/>
+      </p:sp>
+      <p:sp>
+        <p:nvSpPr>
+          <p:cNvPr id="3" name="Notes Placeholder 2"/>
+          <p:cNvSpPr>
+            <a:spLocks noGrp="1"/>
+          </p:cNvSpPr>
+          <p:nvPr>
+            <p:ph type="body" idx="1"/>
+          </p:nvPr>
+        </p:nvSpPr>
+        <p:spPr/>
+        <p:txBody>
+          <a:bodyPr/>
+          <a:lstStyle/>
+          <a:p>
+            <a:r>
+              <a:rPr lang="en-US" dirty="0"/>
+              <a:t>Hi Everyone, My name is Jon Fryman and today I am going to be presenting a very informative session regarding generating stock predictions for 12 of the largest U.S. based tech companies</a:t>
+            </a:r>
+          </a:p>
+          <a:p>
+            <a:endParaRPr lang="en-US" dirty="0"/>
+          </a:p>
+          <a:p>
+            <a:r>
+              <a:rPr lang="en-US" dirty="0"/>
+              <a:t>Before getting started, a little background about me</a:t>
+            </a:r>
+          </a:p>
+          <a:p>
+            <a:endParaRPr lang="en-US" dirty="0"/>
+          </a:p>
+          <a:p>
+            <a:r>
+              <a:rPr lang="en-US" dirty="0"/>
+              <a:t>Like I said, my name is Jon Fryman</a:t>
+            </a:r>
+          </a:p>
+          <a:p>
+            <a:r>
+              <a:rPr lang="en-US" dirty="0"/>
+              <a:t>* I am located in the Toledo Ohio area</a:t>
+            </a:r>
+          </a:p>
+          <a:p>
+            <a:r>
+              <a:rPr lang="en-US" dirty="0"/>
+              <a:t>* I have been working in the information technology industry for more than 15 years</a:t>
+            </a:r>
+          </a:p>
+          <a:p>
+            <a:r>
+              <a:rPr lang="en-US" dirty="0"/>
+              <a:t>* I am a 2021 graduate of Western Governors University with a Bachelors in Computer Science</a:t>
+            </a:r>
+          </a:p>
+          <a:p>
+            <a:r>
+              <a:rPr lang="en-US" dirty="0"/>
+              <a:t>* I am currently pursing a Masters in Data Analytics, also from Western Governors University</a:t>
+            </a:r>
+          </a:p>
+        </p:txBody>
+      </p:sp>
+      <p:sp>
+        <p:nvSpPr>
+          <p:cNvPr id="4" name="Slide Number Placeholder 3"/>
+          <p:cNvSpPr>
+            <a:spLocks noGrp="1"/>
+          </p:cNvSpPr>
+          <p:nvPr>
+            <p:ph type="sldNum" sz="quarter" idx="5"/>
+          </p:nvPr>
+        </p:nvSpPr>
+        <p:spPr/>
+        <p:txBody>
+          <a:bodyPr/>
+          <a:lstStyle/>
+          <a:p>
+            <a:fld id="{58DB3EFE-E5D6-9F46-A485-0D1A1B98F39B}" type="slidenum">
+              <a:rPr lang="en-US" smtClean="0"/>
+              <a:t>2</a:t>
+            </a:fld>
+            <a:endParaRPr lang="en-US"/>
+          </a:p>
+        </p:txBody>
+      </p:sp>
+    </p:spTree>
+    <p:extLst>
+      <p:ext uri="{BB962C8B-B14F-4D97-AF65-F5344CB8AC3E}">
+        <p14:creationId xmlns:p14="http://schemas.microsoft.com/office/powerpoint/2010/main" val="1055138372"/>
+      </p:ext>
+    </p:extLst>
+  </p:cSld>
+  <p:clrMapOvr>
+    <a:masterClrMapping/>
+  </p:clrMapOvr>
+</p:notes>
+</file>
+
+<file path=ppt/notesSlides/notesSlide2.xml><?xml version="1.0" encoding="utf-8"?>
+<p:notes xmlns:a="http://schemas.openxmlformats.org/drawingml/2006/main" xmlns:r="http://schemas.openxmlformats.org/officeDocument/2006/relationships" xmlns:p="http://schemas.openxmlformats.org/presentationml/2006/main">
+  <p:cSld>
+    <p:spTree>
+      <p:nvGrpSpPr>
+        <p:cNvPr id="1" name=""/>
+        <p:cNvGrpSpPr/>
+        <p:nvPr/>
+      </p:nvGrpSpPr>
+      <p:grpSpPr>
+        <a:xfrm>
+          <a:off x="0" y="0"/>
+          <a:ext cx="0" cy="0"/>
+          <a:chOff x="0" y="0"/>
+          <a:chExt cx="0" cy="0"/>
+        </a:xfrm>
+      </p:grpSpPr>
+      <p:sp>
+        <p:nvSpPr>
+          <p:cNvPr id="2" name="Slide Image Placeholder 1"/>
+          <p:cNvSpPr>
+            <a:spLocks noGrp="1" noRot="1" noChangeAspect="1"/>
+          </p:cNvSpPr>
+          <p:nvPr>
+            <p:ph type="sldImg"/>
+          </p:nvPr>
+        </p:nvSpPr>
+        <p:spPr/>
+      </p:sp>
+      <p:sp>
+        <p:nvSpPr>
+          <p:cNvPr id="3" name="Notes Placeholder 2"/>
+          <p:cNvSpPr>
+            <a:spLocks noGrp="1"/>
+          </p:cNvSpPr>
+          <p:nvPr>
+            <p:ph type="body" idx="1"/>
+          </p:nvPr>
+        </p:nvSpPr>
+        <p:spPr/>
+        <p:txBody>
+          <a:bodyPr/>
+          <a:lstStyle/>
+          <a:p>
+            <a:pPr marL="0" marR="0" lvl="0" indent="0" algn="l" defTabSz="914400" rtl="0" eaLnBrk="1" fontAlgn="auto" latinLnBrk="0" hangingPunct="1">
+              <a:lnSpc>
+                <a:spcPct val="100000"/>
+              </a:lnSpc>
+              <a:spcBef>
+                <a:spcPts val="0"/>
+              </a:spcBef>
+              <a:spcAft>
+                <a:spcPts val="0"/>
+              </a:spcAft>
+              <a:buClrTx/>
+              <a:buSzTx/>
+              <a:buFontTx/>
+              <a:buNone/>
+              <a:tabLst/>
+              <a:defRPr/>
+            </a:pPr>
+            <a:r>
+              <a:rPr lang="en-US" dirty="0"/>
+              <a:t>To start off the presentation, a little background on the problem being researched:</a:t>
+            </a:r>
+          </a:p>
+          <a:p>
+            <a:pPr marL="0" marR="0" lvl="0" indent="0" algn="l" defTabSz="914400" rtl="0" eaLnBrk="1" fontAlgn="auto" latinLnBrk="0" hangingPunct="1">
+              <a:lnSpc>
+                <a:spcPct val="100000"/>
+              </a:lnSpc>
+              <a:spcBef>
+                <a:spcPts val="0"/>
+              </a:spcBef>
+              <a:spcAft>
+                <a:spcPts val="0"/>
+              </a:spcAft>
+              <a:buClrTx/>
+              <a:buSzTx/>
+              <a:buFontTx/>
+              <a:buNone/>
+              <a:tabLst/>
+              <a:defRPr/>
+            </a:pPr>
+            <a:endParaRPr lang="en-US" dirty="0"/>
+          </a:p>
+          <a:p>
+            <a:r>
+              <a:rPr lang="en-US" dirty="0"/>
+              <a:t>1) As we all know, the stock market can be filled with great uncertainty and a lot of daily fluctuation</a:t>
+            </a:r>
+          </a:p>
+          <a:p>
+            <a:endParaRPr lang="en-US" dirty="0"/>
+          </a:p>
+          <a:p>
+            <a:r>
+              <a:rPr lang="en-US" dirty="0"/>
+              <a:t>2) Taking that into account, it is extremely important to make an attempt at identifying trends to help facilitate educated investing</a:t>
+            </a:r>
+          </a:p>
+          <a:p>
+            <a:endParaRPr lang="en-US" dirty="0"/>
+          </a:p>
+          <a:p>
+            <a:r>
+              <a:rPr lang="en-US" dirty="0"/>
+              <a:t>3) In an effort to help facilitate the previously mentioned educated investing, there is an effort to develop a method that allows investments to be made based upon predictions of what future stock performance may look like</a:t>
+            </a:r>
+          </a:p>
+          <a:p>
+            <a:endParaRPr lang="en-US" dirty="0"/>
+          </a:p>
+          <a:p>
+            <a:endParaRPr lang="en-US" dirty="0"/>
+          </a:p>
+          <a:p>
+            <a:r>
+              <a:rPr lang="en-US" dirty="0"/>
+              <a:t>4) The hypothesis for the current research that is being presented today is to identify if the closing price for a specific stock can be predicted with an accuracy of 80% or greater when compared to its historical actual closing price</a:t>
+            </a:r>
+          </a:p>
+          <a:p>
+            <a:endParaRPr lang="en-US" dirty="0"/>
+          </a:p>
+        </p:txBody>
+      </p:sp>
+      <p:sp>
+        <p:nvSpPr>
+          <p:cNvPr id="4" name="Slide Number Placeholder 3"/>
+          <p:cNvSpPr>
+            <a:spLocks noGrp="1"/>
+          </p:cNvSpPr>
+          <p:nvPr>
+            <p:ph type="sldNum" sz="quarter" idx="5"/>
+          </p:nvPr>
+        </p:nvSpPr>
+        <p:spPr/>
+        <p:txBody>
+          <a:bodyPr/>
+          <a:lstStyle/>
+          <a:p>
+            <a:fld id="{58DB3EFE-E5D6-9F46-A485-0D1A1B98F39B}" type="slidenum">
+              <a:rPr lang="en-US" smtClean="0"/>
+              <a:t>3</a:t>
+            </a:fld>
+            <a:endParaRPr lang="en-US"/>
+          </a:p>
+        </p:txBody>
+      </p:sp>
+    </p:spTree>
+    <p:extLst>
+      <p:ext uri="{BB962C8B-B14F-4D97-AF65-F5344CB8AC3E}">
+        <p14:creationId xmlns:p14="http://schemas.microsoft.com/office/powerpoint/2010/main" val="2232153768"/>
+      </p:ext>
+    </p:extLst>
+  </p:cSld>
+  <p:clrMapOvr>
+    <a:masterClrMapping/>
+  </p:clrMapOvr>
+</p:notes>
+</file>
+
+<file path=ppt/notesSlides/notesSlide3.xml><?xml version="1.0" encoding="utf-8"?>
+<p:notes xmlns:a="http://schemas.openxmlformats.org/drawingml/2006/main" xmlns:r="http://schemas.openxmlformats.org/officeDocument/2006/relationships" xmlns:p="http://schemas.openxmlformats.org/presentationml/2006/main">
+  <p:cSld>
+    <p:spTree>
+      <p:nvGrpSpPr>
+        <p:cNvPr id="1" name=""/>
+        <p:cNvGrpSpPr/>
+        <p:nvPr/>
+      </p:nvGrpSpPr>
+      <p:grpSpPr>
+        <a:xfrm>
+          <a:off x="0" y="0"/>
+          <a:ext cx="0" cy="0"/>
+          <a:chOff x="0" y="0"/>
+          <a:chExt cx="0" cy="0"/>
+        </a:xfrm>
+      </p:grpSpPr>
+      <p:sp>
+        <p:nvSpPr>
+          <p:cNvPr id="2" name="Slide Image Placeholder 1"/>
+          <p:cNvSpPr>
+            <a:spLocks noGrp="1" noRot="1" noChangeAspect="1"/>
+          </p:cNvSpPr>
+          <p:nvPr>
+            <p:ph type="sldImg"/>
+          </p:nvPr>
+        </p:nvSpPr>
+        <p:spPr/>
+      </p:sp>
+      <p:sp>
+        <p:nvSpPr>
+          <p:cNvPr id="3" name="Notes Placeholder 2"/>
+          <p:cNvSpPr>
+            <a:spLocks noGrp="1"/>
+          </p:cNvSpPr>
+          <p:nvPr>
+            <p:ph type="body" idx="1"/>
+          </p:nvPr>
+        </p:nvSpPr>
+        <p:spPr/>
+        <p:txBody>
+          <a:bodyPr/>
+          <a:lstStyle/>
+          <a:p>
+            <a:r>
+              <a:rPr lang="en-US" dirty="0"/>
+              <a:t>To </a:t>
+            </a:r>
+            <a:r>
+              <a:rPr lang="en-US" dirty="0" err="1"/>
+              <a:t>breifly</a:t>
+            </a:r>
+            <a:r>
+              <a:rPr lang="en-US" dirty="0"/>
+              <a:t> provide an overview of the data analysis process used throughout this project:</a:t>
+            </a:r>
+          </a:p>
+          <a:p>
+            <a:endParaRPr lang="en-US" dirty="0"/>
+          </a:p>
+          <a:p>
+            <a:r>
+              <a:rPr lang="en-US" dirty="0"/>
+              <a:t>1) Publicly available historical market data for 14 large U.S. based tech companies was </a:t>
+            </a:r>
+            <a:r>
+              <a:rPr lang="en-US" dirty="0" err="1"/>
+              <a:t>aquired</a:t>
+            </a:r>
+            <a:r>
+              <a:rPr lang="en-US" dirty="0"/>
+              <a:t> for analysis</a:t>
+            </a:r>
+          </a:p>
+          <a:p>
+            <a:endParaRPr lang="en-US" dirty="0"/>
+          </a:p>
+          <a:p>
+            <a:r>
+              <a:rPr lang="en-US" dirty="0"/>
+              <a:t>2) The </a:t>
+            </a:r>
+            <a:r>
+              <a:rPr lang="en-US" dirty="0" err="1"/>
+              <a:t>aquired</a:t>
+            </a:r>
+            <a:r>
+              <a:rPr lang="en-US" dirty="0"/>
+              <a:t> data contains information related to historic market performance for a date range beginning in January 2010 through December 2022</a:t>
+            </a:r>
+          </a:p>
+          <a:p>
+            <a:endParaRPr lang="en-US" dirty="0"/>
+          </a:p>
+          <a:p>
+            <a:r>
+              <a:rPr lang="en-US" dirty="0"/>
+              <a:t>3) The data points within the </a:t>
+            </a:r>
+            <a:r>
+              <a:rPr lang="en-US" dirty="0" err="1"/>
+              <a:t>aquired</a:t>
+            </a:r>
+            <a:r>
+              <a:rPr lang="en-US" dirty="0"/>
+              <a:t> data included information for the </a:t>
+            </a:r>
+            <a:r>
+              <a:rPr lang="en-US" dirty="0" err="1"/>
+              <a:t>companys</a:t>
+            </a:r>
+            <a:r>
+              <a:rPr lang="en-US" dirty="0"/>
+              <a:t> daily opening price, daily closing price, the daily low value, daily high value, the daily adjusted closing price, and overall volume</a:t>
+            </a:r>
+          </a:p>
+          <a:p>
+            <a:endParaRPr lang="en-US" dirty="0"/>
+          </a:p>
+          <a:p>
+            <a:r>
+              <a:rPr lang="en-US" dirty="0"/>
+              <a:t>4) Prior to generating predictions, the data was reviewed for missing data points and outlier data values that may have been inserted in error</a:t>
+            </a:r>
+          </a:p>
+          <a:p>
+            <a:endParaRPr lang="en-US" dirty="0"/>
+          </a:p>
+          <a:p>
+            <a:r>
+              <a:rPr lang="en-US" dirty="0"/>
+              <a:t>5) Due to an inconsistent number of records when compared to the remaining 12 companies, the data for Meta and Tesla were excluded from the current analysis</a:t>
+            </a:r>
+          </a:p>
+          <a:p>
+            <a:endParaRPr lang="en-US" dirty="0"/>
+          </a:p>
+        </p:txBody>
+      </p:sp>
+      <p:sp>
+        <p:nvSpPr>
+          <p:cNvPr id="4" name="Slide Number Placeholder 3"/>
+          <p:cNvSpPr>
+            <a:spLocks noGrp="1"/>
+          </p:cNvSpPr>
+          <p:nvPr>
+            <p:ph type="sldNum" sz="quarter" idx="5"/>
+          </p:nvPr>
+        </p:nvSpPr>
+        <p:spPr/>
+        <p:txBody>
+          <a:bodyPr/>
+          <a:lstStyle/>
+          <a:p>
+            <a:fld id="{58DB3EFE-E5D6-9F46-A485-0D1A1B98F39B}" type="slidenum">
+              <a:rPr lang="en-US" smtClean="0"/>
+              <a:t>4</a:t>
+            </a:fld>
+            <a:endParaRPr lang="en-US"/>
+          </a:p>
+        </p:txBody>
+      </p:sp>
+    </p:spTree>
+    <p:extLst>
+      <p:ext uri="{BB962C8B-B14F-4D97-AF65-F5344CB8AC3E}">
+        <p14:creationId xmlns:p14="http://schemas.microsoft.com/office/powerpoint/2010/main" val="3322204228"/>
+      </p:ext>
+    </p:extLst>
+  </p:cSld>
+  <p:clrMapOvr>
+    <a:masterClrMapping/>
+  </p:clrMapOvr>
+</p:notes>
+</file>
+
+<file path=ppt/notesSlides/notesSlide4.xml><?xml version="1.0" encoding="utf-8"?>
+<p:notes xmlns:a="http://schemas.openxmlformats.org/drawingml/2006/main" xmlns:r="http://schemas.openxmlformats.org/officeDocument/2006/relationships" xmlns:p="http://schemas.openxmlformats.org/presentationml/2006/main">
+  <p:cSld>
+    <p:spTree>
+      <p:nvGrpSpPr>
+        <p:cNvPr id="1" name=""/>
+        <p:cNvGrpSpPr/>
+        <p:nvPr/>
+      </p:nvGrpSpPr>
+      <p:grpSpPr>
+        <a:xfrm>
+          <a:off x="0" y="0"/>
+          <a:ext cx="0" cy="0"/>
+          <a:chOff x="0" y="0"/>
+          <a:chExt cx="0" cy="0"/>
+        </a:xfrm>
+      </p:grpSpPr>
+      <p:sp>
+        <p:nvSpPr>
+          <p:cNvPr id="2" name="Slide Image Placeholder 1"/>
+          <p:cNvSpPr>
+            <a:spLocks noGrp="1" noRot="1" noChangeAspect="1"/>
+          </p:cNvSpPr>
+          <p:nvPr>
+            <p:ph type="sldImg"/>
+          </p:nvPr>
+        </p:nvSpPr>
+        <p:spPr/>
+      </p:sp>
+      <p:sp>
+        <p:nvSpPr>
+          <p:cNvPr id="3" name="Notes Placeholder 2"/>
+          <p:cNvSpPr>
+            <a:spLocks noGrp="1"/>
+          </p:cNvSpPr>
+          <p:nvPr>
+            <p:ph type="body" idx="1"/>
+          </p:nvPr>
+        </p:nvSpPr>
+        <p:spPr/>
+        <p:txBody>
+          <a:bodyPr/>
+          <a:lstStyle/>
+          <a:p>
+            <a:r>
+              <a:rPr lang="en-US" dirty="0"/>
+              <a:t>To provide a brief outline of the data analysis findings:</a:t>
+            </a:r>
+          </a:p>
+          <a:p>
+            <a:endParaRPr lang="en-US" dirty="0"/>
+          </a:p>
+          <a:p>
+            <a:r>
+              <a:rPr lang="en-US" dirty="0"/>
+              <a:t>1) The prediction model we created generated predictions for 36 trading days </a:t>
+            </a:r>
+          </a:p>
+          <a:p>
+            <a:endParaRPr lang="en-US" dirty="0"/>
+          </a:p>
+          <a:p>
+            <a:r>
+              <a:rPr lang="en-US" dirty="0"/>
+              <a:t>When compared against the actual stock closing price for the 36 days</a:t>
+            </a:r>
+          </a:p>
+          <a:p>
+            <a:r>
+              <a:rPr lang="en-US" dirty="0"/>
+              <a:t>* 99.3% of the predictions had an 80% or greater accuracy when compared to the actual historical price</a:t>
+            </a:r>
+          </a:p>
+          <a:p>
+            <a:pPr marL="0" marR="0" lvl="0" indent="0" algn="l" defTabSz="914400" rtl="0" eaLnBrk="1" fontAlgn="auto" latinLnBrk="0" hangingPunct="1">
+              <a:lnSpc>
+                <a:spcPct val="100000"/>
+              </a:lnSpc>
+              <a:spcBef>
+                <a:spcPts val="0"/>
+              </a:spcBef>
+              <a:spcAft>
+                <a:spcPts val="0"/>
+              </a:spcAft>
+              <a:buClrTx/>
+              <a:buSzTx/>
+              <a:buFontTx/>
+              <a:buNone/>
+              <a:tabLst/>
+              <a:defRPr/>
+            </a:pPr>
+            <a:r>
+              <a:rPr lang="en-US" dirty="0"/>
+              <a:t>* 77% of the predictions had an accuracy of 90% or greater when compared to the actual historical price</a:t>
+            </a:r>
+          </a:p>
+          <a:p>
+            <a:pPr marL="0" marR="0" lvl="0" indent="0" algn="l" defTabSz="914400" rtl="0" eaLnBrk="1" fontAlgn="auto" latinLnBrk="0" hangingPunct="1">
+              <a:lnSpc>
+                <a:spcPct val="100000"/>
+              </a:lnSpc>
+              <a:spcBef>
+                <a:spcPts val="0"/>
+              </a:spcBef>
+              <a:spcAft>
+                <a:spcPts val="0"/>
+              </a:spcAft>
+              <a:buClrTx/>
+              <a:buSzTx/>
+              <a:buFontTx/>
+              <a:buNone/>
+              <a:tabLst/>
+              <a:defRPr/>
+            </a:pPr>
+            <a:r>
+              <a:rPr lang="en-US" dirty="0"/>
+              <a:t>* 47 % of the predictions had an accuracy of 95% or greater when compared to the actual historical price</a:t>
+            </a:r>
+          </a:p>
+          <a:p>
+            <a:pPr marL="0" marR="0" lvl="0" indent="0" algn="l" defTabSz="914400" rtl="0" eaLnBrk="1" fontAlgn="auto" latinLnBrk="0" hangingPunct="1">
+              <a:lnSpc>
+                <a:spcPct val="100000"/>
+              </a:lnSpc>
+              <a:spcBef>
+                <a:spcPts val="0"/>
+              </a:spcBef>
+              <a:spcAft>
+                <a:spcPts val="0"/>
+              </a:spcAft>
+              <a:buClrTx/>
+              <a:buSzTx/>
+              <a:buFontTx/>
+              <a:buNone/>
+              <a:tabLst/>
+              <a:defRPr/>
+            </a:pPr>
+            <a:endParaRPr lang="en-US" dirty="0"/>
+          </a:p>
+          <a:p>
+            <a:pPr marL="0" marR="0" lvl="0" indent="0" algn="l" defTabSz="914400" rtl="0" eaLnBrk="1" fontAlgn="auto" latinLnBrk="0" hangingPunct="1">
+              <a:lnSpc>
+                <a:spcPct val="100000"/>
+              </a:lnSpc>
+              <a:spcBef>
+                <a:spcPts val="0"/>
+              </a:spcBef>
+              <a:spcAft>
+                <a:spcPts val="0"/>
+              </a:spcAft>
+              <a:buClrTx/>
+              <a:buSzTx/>
+              <a:buFontTx/>
+              <a:buNone/>
+              <a:tabLst/>
+              <a:defRPr/>
+            </a:pPr>
+            <a:r>
+              <a:rPr lang="en-US" dirty="0"/>
+              <a:t>Just 3 of the 432 total predictions made had less than 80% accuracy when compared to the actual historical trading price</a:t>
+            </a:r>
+          </a:p>
+          <a:p>
+            <a:pPr marL="0" marR="0" lvl="0" indent="0" algn="l" defTabSz="914400" rtl="0" eaLnBrk="1" fontAlgn="auto" latinLnBrk="0" hangingPunct="1">
+              <a:lnSpc>
+                <a:spcPct val="100000"/>
+              </a:lnSpc>
+              <a:spcBef>
+                <a:spcPts val="0"/>
+              </a:spcBef>
+              <a:spcAft>
+                <a:spcPts val="0"/>
+              </a:spcAft>
+              <a:buClrTx/>
+              <a:buSzTx/>
+              <a:buFontTx/>
+              <a:buNone/>
+              <a:tabLst/>
+              <a:defRPr/>
+            </a:pPr>
+            <a:endParaRPr lang="en-US" dirty="0"/>
+          </a:p>
+          <a:p>
+            <a:pPr marL="0" marR="0" lvl="0" indent="0" algn="l" defTabSz="914400" rtl="0" eaLnBrk="1" fontAlgn="auto" latinLnBrk="0" hangingPunct="1">
+              <a:lnSpc>
+                <a:spcPct val="100000"/>
+              </a:lnSpc>
+              <a:spcBef>
+                <a:spcPts val="0"/>
+              </a:spcBef>
+              <a:spcAft>
+                <a:spcPts val="0"/>
+              </a:spcAft>
+              <a:buClrTx/>
+              <a:buSzTx/>
+              <a:buFontTx/>
+              <a:buNone/>
+              <a:tabLst/>
+              <a:defRPr/>
+            </a:pPr>
+            <a:r>
+              <a:rPr lang="en-US" dirty="0"/>
+              <a:t>These three predictions were all associated with Nvidia and had an accuracy ranging from 79.2%-79.9% and all occurred within a four day time frame</a:t>
+            </a:r>
+          </a:p>
+          <a:p>
+            <a:pPr marL="0" marR="0" lvl="0" indent="0" algn="l" defTabSz="914400" rtl="0" eaLnBrk="1" fontAlgn="auto" latinLnBrk="0" hangingPunct="1">
+              <a:lnSpc>
+                <a:spcPct val="100000"/>
+              </a:lnSpc>
+              <a:spcBef>
+                <a:spcPts val="0"/>
+              </a:spcBef>
+              <a:spcAft>
+                <a:spcPts val="0"/>
+              </a:spcAft>
+              <a:buClrTx/>
+              <a:buSzTx/>
+              <a:buFontTx/>
+              <a:buNone/>
+              <a:tabLst/>
+              <a:defRPr/>
+            </a:pPr>
+            <a:endParaRPr lang="en-US" dirty="0"/>
+          </a:p>
+          <a:p>
+            <a:endParaRPr lang="en-US" dirty="0"/>
+          </a:p>
+        </p:txBody>
+      </p:sp>
+      <p:sp>
+        <p:nvSpPr>
+          <p:cNvPr id="4" name="Slide Number Placeholder 3"/>
+          <p:cNvSpPr>
+            <a:spLocks noGrp="1"/>
+          </p:cNvSpPr>
+          <p:nvPr>
+            <p:ph type="sldNum" sz="quarter" idx="5"/>
+          </p:nvPr>
+        </p:nvSpPr>
+        <p:spPr/>
+        <p:txBody>
+          <a:bodyPr/>
+          <a:lstStyle/>
+          <a:p>
+            <a:fld id="{58DB3EFE-E5D6-9F46-A485-0D1A1B98F39B}" type="slidenum">
+              <a:rPr lang="en-US" smtClean="0"/>
+              <a:t>5</a:t>
+            </a:fld>
+            <a:endParaRPr lang="en-US"/>
+          </a:p>
+        </p:txBody>
+      </p:sp>
+    </p:spTree>
+    <p:extLst>
+      <p:ext uri="{BB962C8B-B14F-4D97-AF65-F5344CB8AC3E}">
+        <p14:creationId xmlns:p14="http://schemas.microsoft.com/office/powerpoint/2010/main" val="2814022730"/>
+      </p:ext>
+    </p:extLst>
+  </p:cSld>
+  <p:clrMapOvr>
+    <a:masterClrMapping/>
+  </p:clrMapOvr>
+</p:notes>
+</file>
+
+<file path=ppt/notesSlides/notesSlide5.xml><?xml version="1.0" encoding="utf-8"?>
+<p:notes xmlns:a="http://schemas.openxmlformats.org/drawingml/2006/main" xmlns:r="http://schemas.openxmlformats.org/officeDocument/2006/relationships" xmlns:p="http://schemas.openxmlformats.org/presentationml/2006/main">
+  <p:cSld>
+    <p:spTree>
+      <p:nvGrpSpPr>
+        <p:cNvPr id="1" name=""/>
+        <p:cNvGrpSpPr/>
+        <p:nvPr/>
+      </p:nvGrpSpPr>
+      <p:grpSpPr>
+        <a:xfrm>
+          <a:off x="0" y="0"/>
+          <a:ext cx="0" cy="0"/>
+          <a:chOff x="0" y="0"/>
+          <a:chExt cx="0" cy="0"/>
+        </a:xfrm>
+      </p:grpSpPr>
+      <p:sp>
+        <p:nvSpPr>
+          <p:cNvPr id="2" name="Slide Image Placeholder 1"/>
+          <p:cNvSpPr>
+            <a:spLocks noGrp="1" noRot="1" noChangeAspect="1"/>
+          </p:cNvSpPr>
+          <p:nvPr>
+            <p:ph type="sldImg"/>
+          </p:nvPr>
+        </p:nvSpPr>
+        <p:spPr/>
+      </p:sp>
+      <p:sp>
+        <p:nvSpPr>
+          <p:cNvPr id="3" name="Notes Placeholder 2"/>
+          <p:cNvSpPr>
+            <a:spLocks noGrp="1"/>
+          </p:cNvSpPr>
+          <p:nvPr>
+            <p:ph type="body" idx="1"/>
+          </p:nvPr>
+        </p:nvSpPr>
+        <p:spPr/>
+        <p:txBody>
+          <a:bodyPr/>
+          <a:lstStyle/>
+          <a:p>
+            <a:r>
+              <a:rPr lang="en-US" dirty="0"/>
+              <a:t>To provide a bit of insight into the tools and techniques used to generate the previously mentioned predictions, I will now briefly overview some of the limitations encountered during the current analysis project</a:t>
+            </a:r>
+          </a:p>
+          <a:p>
+            <a:endParaRPr lang="en-US" dirty="0"/>
+          </a:p>
+          <a:p>
+            <a:r>
+              <a:rPr lang="en-US" dirty="0"/>
+              <a:t>To overview some of the tool limitations:</a:t>
+            </a:r>
+          </a:p>
+          <a:p>
+            <a:r>
+              <a:rPr lang="en-US" dirty="0"/>
+              <a:t>1) The environment used to create predictions can make it difficult to create good versioning of the code used. This means that when changes are made, it can be difficult to verify what portions of the analysis may be newer than others</a:t>
+            </a:r>
+          </a:p>
+          <a:p>
+            <a:endParaRPr lang="en-US" dirty="0"/>
+          </a:p>
+          <a:p>
+            <a:r>
+              <a:rPr lang="en-US" dirty="0"/>
+              <a:t>2) The environment used, called Jupyter Notebooks, is </a:t>
+            </a:r>
+            <a:r>
+              <a:rPr lang="en-US" dirty="0" err="1"/>
+              <a:t>primarly</a:t>
+            </a:r>
+            <a:r>
+              <a:rPr lang="en-US" dirty="0"/>
+              <a:t> used for data exploration and not a production environment. This means if the prediction model generated during this project is adapted, a different solution may be required to roll out to a wider audience.</a:t>
+            </a:r>
+          </a:p>
+          <a:p>
+            <a:endParaRPr lang="en-US" dirty="0"/>
+          </a:p>
+          <a:p>
+            <a:endParaRPr lang="en-US" dirty="0"/>
+          </a:p>
+          <a:p>
+            <a:pPr marL="0" marR="0" lvl="0" indent="0" algn="l" defTabSz="914400" rtl="0" eaLnBrk="1" fontAlgn="auto" latinLnBrk="0" hangingPunct="1">
+              <a:lnSpc>
+                <a:spcPct val="100000"/>
+              </a:lnSpc>
+              <a:spcBef>
+                <a:spcPts val="0"/>
+              </a:spcBef>
+              <a:spcAft>
+                <a:spcPts val="0"/>
+              </a:spcAft>
+              <a:buClrTx/>
+              <a:buSzTx/>
+              <a:buFontTx/>
+              <a:buNone/>
+              <a:tabLst/>
+              <a:defRPr/>
+            </a:pPr>
+            <a:r>
+              <a:rPr lang="en-US" dirty="0"/>
+              <a:t>To overview some of the technique limitations:</a:t>
+            </a:r>
+          </a:p>
+          <a:p>
+            <a:r>
+              <a:rPr lang="en-US" dirty="0"/>
+              <a:t>1) The performance for the method of analysis used in this project, known as time series analysis, is subject to the data collection method used to </a:t>
+            </a:r>
+            <a:r>
+              <a:rPr lang="en-US" dirty="0" err="1"/>
+              <a:t>aquire</a:t>
+            </a:r>
+            <a:r>
+              <a:rPr lang="en-US" dirty="0"/>
+              <a:t> the data. In other words, the analysis is only as reliable as the data itself</a:t>
+            </a:r>
+          </a:p>
+          <a:p>
+            <a:endParaRPr lang="en-US" dirty="0"/>
+          </a:p>
+          <a:p>
+            <a:r>
+              <a:rPr lang="en-US" dirty="0"/>
+              <a:t>2) The current analysis was performed using a pre-collected historical dataset. For widespread future use, it would be beneficial to explore other methods of data collection that would allow updates to the data as additional trading days occur</a:t>
+            </a:r>
+          </a:p>
+        </p:txBody>
+      </p:sp>
+      <p:sp>
+        <p:nvSpPr>
+          <p:cNvPr id="4" name="Slide Number Placeholder 3"/>
+          <p:cNvSpPr>
+            <a:spLocks noGrp="1"/>
+          </p:cNvSpPr>
+          <p:nvPr>
+            <p:ph type="sldNum" sz="quarter" idx="5"/>
+          </p:nvPr>
+        </p:nvSpPr>
+        <p:spPr/>
+        <p:txBody>
+          <a:bodyPr/>
+          <a:lstStyle/>
+          <a:p>
+            <a:fld id="{58DB3EFE-E5D6-9F46-A485-0D1A1B98F39B}" type="slidenum">
+              <a:rPr lang="en-US" smtClean="0"/>
+              <a:t>6</a:t>
+            </a:fld>
+            <a:endParaRPr lang="en-US"/>
+          </a:p>
+        </p:txBody>
+      </p:sp>
+    </p:spTree>
+    <p:extLst>
+      <p:ext uri="{BB962C8B-B14F-4D97-AF65-F5344CB8AC3E}">
+        <p14:creationId xmlns:p14="http://schemas.microsoft.com/office/powerpoint/2010/main" val="400114674"/>
+      </p:ext>
+    </p:extLst>
+  </p:cSld>
+  <p:clrMapOvr>
+    <a:masterClrMapping/>
+  </p:clrMapOvr>
+</p:notes>
+</file>
+
+<file path=ppt/notesSlides/notesSlide6.xml><?xml version="1.0" encoding="utf-8"?>
+<p:notes xmlns:a="http://schemas.openxmlformats.org/drawingml/2006/main" xmlns:r="http://schemas.openxmlformats.org/officeDocument/2006/relationships" xmlns:p="http://schemas.openxmlformats.org/presentationml/2006/main">
+  <p:cSld>
+    <p:spTree>
+      <p:nvGrpSpPr>
+        <p:cNvPr id="1" name=""/>
+        <p:cNvGrpSpPr/>
+        <p:nvPr/>
+      </p:nvGrpSpPr>
+      <p:grpSpPr>
+        <a:xfrm>
+          <a:off x="0" y="0"/>
+          <a:ext cx="0" cy="0"/>
+          <a:chOff x="0" y="0"/>
+          <a:chExt cx="0" cy="0"/>
+        </a:xfrm>
+      </p:grpSpPr>
+      <p:sp>
+        <p:nvSpPr>
+          <p:cNvPr id="2" name="Slide Image Placeholder 1"/>
+          <p:cNvSpPr>
+            <a:spLocks noGrp="1" noRot="1" noChangeAspect="1"/>
+          </p:cNvSpPr>
+          <p:nvPr>
+            <p:ph type="sldImg"/>
+          </p:nvPr>
+        </p:nvSpPr>
+        <p:spPr/>
+      </p:sp>
+      <p:sp>
+        <p:nvSpPr>
+          <p:cNvPr id="3" name="Notes Placeholder 2"/>
+          <p:cNvSpPr>
+            <a:spLocks noGrp="1"/>
+          </p:cNvSpPr>
+          <p:nvPr>
+            <p:ph type="body" idx="1"/>
+          </p:nvPr>
+        </p:nvSpPr>
+        <p:spPr/>
+        <p:txBody>
+          <a:bodyPr/>
+          <a:lstStyle/>
+          <a:p>
+            <a:r>
+              <a:rPr lang="en-US" dirty="0"/>
+              <a:t>To provide a brief summary of the proposed actions or next steps for analysis:</a:t>
+            </a:r>
+          </a:p>
+          <a:p>
+            <a:endParaRPr lang="en-US" dirty="0"/>
+          </a:p>
+          <a:p>
+            <a:r>
+              <a:rPr lang="en-US" dirty="0"/>
+              <a:t>1) It was determined the predicted price of a stocks closing prices was always predicted below the actual historical closing price. It would be beneficial to gain a better understanding why this is the case</a:t>
+            </a:r>
+          </a:p>
+          <a:p>
+            <a:endParaRPr lang="en-US" dirty="0"/>
+          </a:p>
+          <a:p>
+            <a:r>
+              <a:rPr lang="en-US" dirty="0"/>
+              <a:t>2) As stated earlier in the presentation, it would be beneficial to add the ability to generate predictions for additional companies outside of the 12 tech companies used in this project</a:t>
+            </a:r>
+          </a:p>
+          <a:p>
+            <a:endParaRPr lang="en-US" dirty="0"/>
+          </a:p>
+          <a:p>
+            <a:r>
+              <a:rPr lang="en-US" dirty="0"/>
+              <a:t>3)  As mentioned on the previous slide, it would benefit the predictions being generated to allow updates to the collected historical data as additional trading days occur. This would allow predictions to be made on the most current and relevant information and assist with improving the accuracy of future predictions</a:t>
+            </a:r>
+          </a:p>
+        </p:txBody>
+      </p:sp>
+      <p:sp>
+        <p:nvSpPr>
+          <p:cNvPr id="4" name="Slide Number Placeholder 3"/>
+          <p:cNvSpPr>
+            <a:spLocks noGrp="1"/>
+          </p:cNvSpPr>
+          <p:nvPr>
+            <p:ph type="sldNum" sz="quarter" idx="5"/>
+          </p:nvPr>
+        </p:nvSpPr>
+        <p:spPr/>
+        <p:txBody>
+          <a:bodyPr/>
+          <a:lstStyle/>
+          <a:p>
+            <a:fld id="{58DB3EFE-E5D6-9F46-A485-0D1A1B98F39B}" type="slidenum">
+              <a:rPr lang="en-US" smtClean="0"/>
+              <a:t>7</a:t>
+            </a:fld>
+            <a:endParaRPr lang="en-US"/>
+          </a:p>
+        </p:txBody>
+      </p:sp>
+    </p:spTree>
+    <p:extLst>
+      <p:ext uri="{BB962C8B-B14F-4D97-AF65-F5344CB8AC3E}">
+        <p14:creationId xmlns:p14="http://schemas.microsoft.com/office/powerpoint/2010/main" val="159858144"/>
+      </p:ext>
+    </p:extLst>
+  </p:cSld>
+  <p:clrMapOvr>
+    <a:masterClrMapping/>
+  </p:clrMapOvr>
+</p:notes>
+</file>
+
+<file path=ppt/notesSlides/notesSlide7.xml><?xml version="1.0" encoding="utf-8"?>
+<p:notes xmlns:a="http://schemas.openxmlformats.org/drawingml/2006/main" xmlns:r="http://schemas.openxmlformats.org/officeDocument/2006/relationships" xmlns:p="http://schemas.openxmlformats.org/presentationml/2006/main">
+  <p:cSld>
+    <p:spTree>
+      <p:nvGrpSpPr>
+        <p:cNvPr id="1" name=""/>
+        <p:cNvGrpSpPr/>
+        <p:nvPr/>
+      </p:nvGrpSpPr>
+      <p:grpSpPr>
+        <a:xfrm>
+          <a:off x="0" y="0"/>
+          <a:ext cx="0" cy="0"/>
+          <a:chOff x="0" y="0"/>
+          <a:chExt cx="0" cy="0"/>
+        </a:xfrm>
+      </p:grpSpPr>
+      <p:sp>
+        <p:nvSpPr>
+          <p:cNvPr id="2" name="Slide Image Placeholder 1"/>
+          <p:cNvSpPr>
+            <a:spLocks noGrp="1" noRot="1" noChangeAspect="1"/>
+          </p:cNvSpPr>
+          <p:nvPr>
+            <p:ph type="sldImg"/>
+          </p:nvPr>
+        </p:nvSpPr>
+        <p:spPr/>
+      </p:sp>
+      <p:sp>
+        <p:nvSpPr>
+          <p:cNvPr id="3" name="Notes Placeholder 2"/>
+          <p:cNvSpPr>
+            <a:spLocks noGrp="1"/>
+          </p:cNvSpPr>
+          <p:nvPr>
+            <p:ph type="body" idx="1"/>
+          </p:nvPr>
+        </p:nvSpPr>
+        <p:spPr/>
+        <p:txBody>
+          <a:bodyPr/>
+          <a:lstStyle/>
+          <a:p>
+            <a:r>
+              <a:rPr lang="en-US" dirty="0"/>
+              <a:t>In conclusion, the overall expected benefits of the research study overviewed today</a:t>
+            </a:r>
+          </a:p>
+          <a:p>
+            <a:endParaRPr lang="en-US" dirty="0"/>
+          </a:p>
+          <a:p>
+            <a:r>
+              <a:rPr lang="en-US" dirty="0"/>
+              <a:t>1) Having accurate predictions can increase confidence when making investments, both large and small</a:t>
+            </a:r>
+          </a:p>
+          <a:p>
+            <a:endParaRPr lang="en-US" dirty="0"/>
+          </a:p>
+          <a:p>
+            <a:r>
+              <a:rPr lang="en-US" dirty="0"/>
+              <a:t>2) It can provide a method of forecasting spending and revenue as future investments are planned based upon the predicted market values at that time</a:t>
+            </a:r>
+          </a:p>
+          <a:p>
+            <a:endParaRPr lang="en-US" dirty="0"/>
+          </a:p>
+          <a:p>
+            <a:r>
+              <a:rPr lang="en-US" dirty="0"/>
+              <a:t>3) The prediction model can easily be adapted to create stock predictions for additional companies in many other business areas outside of the tech sector</a:t>
+            </a:r>
+          </a:p>
+        </p:txBody>
+      </p:sp>
+      <p:sp>
+        <p:nvSpPr>
+          <p:cNvPr id="4" name="Slide Number Placeholder 3"/>
+          <p:cNvSpPr>
+            <a:spLocks noGrp="1"/>
+          </p:cNvSpPr>
+          <p:nvPr>
+            <p:ph type="sldNum" sz="quarter" idx="5"/>
+          </p:nvPr>
+        </p:nvSpPr>
+        <p:spPr/>
+        <p:txBody>
+          <a:bodyPr/>
+          <a:lstStyle/>
+          <a:p>
+            <a:fld id="{58DB3EFE-E5D6-9F46-A485-0D1A1B98F39B}" type="slidenum">
+              <a:rPr lang="en-US" smtClean="0"/>
+              <a:t>8</a:t>
+            </a:fld>
+            <a:endParaRPr lang="en-US"/>
+          </a:p>
+        </p:txBody>
+      </p:sp>
+    </p:spTree>
+    <p:extLst>
+      <p:ext uri="{BB962C8B-B14F-4D97-AF65-F5344CB8AC3E}">
+        <p14:creationId xmlns:p14="http://schemas.microsoft.com/office/powerpoint/2010/main" val="3970189202"/>
+      </p:ext>
+    </p:extLst>
+  </p:cSld>
+  <p:clrMapOvr>
+    <a:masterClrMapping/>
+  </p:clrMapOvr>
+</p:notes>
+</file>
+
+<file path=ppt/notesSlides/notesSlide8.xml><?xml version="1.0" encoding="utf-8"?>
+<p:notes xmlns:a="http://schemas.openxmlformats.org/drawingml/2006/main" xmlns:r="http://schemas.openxmlformats.org/officeDocument/2006/relationships" xmlns:p="http://schemas.openxmlformats.org/presentationml/2006/main">
+  <p:cSld>
+    <p:spTree>
+      <p:nvGrpSpPr>
+        <p:cNvPr id="1" name=""/>
+        <p:cNvGrpSpPr/>
+        <p:nvPr/>
+      </p:nvGrpSpPr>
+      <p:grpSpPr>
+        <a:xfrm>
+          <a:off x="0" y="0"/>
+          <a:ext cx="0" cy="0"/>
+          <a:chOff x="0" y="0"/>
+          <a:chExt cx="0" cy="0"/>
+        </a:xfrm>
+      </p:grpSpPr>
+      <p:sp>
+        <p:nvSpPr>
+          <p:cNvPr id="2" name="Slide Image Placeholder 1"/>
+          <p:cNvSpPr>
+            <a:spLocks noGrp="1" noRot="1" noChangeAspect="1"/>
+          </p:cNvSpPr>
+          <p:nvPr>
+            <p:ph type="sldImg"/>
+          </p:nvPr>
+        </p:nvSpPr>
+        <p:spPr/>
+      </p:sp>
+      <p:sp>
+        <p:nvSpPr>
+          <p:cNvPr id="3" name="Notes Placeholder 2"/>
+          <p:cNvSpPr>
+            <a:spLocks noGrp="1"/>
+          </p:cNvSpPr>
+          <p:nvPr>
+            <p:ph type="body" idx="1"/>
+          </p:nvPr>
+        </p:nvSpPr>
+        <p:spPr/>
+        <p:txBody>
+          <a:bodyPr/>
+          <a:lstStyle/>
+          <a:p>
+            <a:r>
+              <a:rPr lang="en-US" dirty="0"/>
+              <a:t>In conclusion, it has been my pleasure to provide todays update regarding the current research project</a:t>
+            </a:r>
+          </a:p>
+          <a:p>
+            <a:endParaRPr lang="en-US" dirty="0"/>
+          </a:p>
+          <a:p>
+            <a:r>
+              <a:rPr lang="en-US" dirty="0"/>
+              <a:t>If there are any follow-up questions or concerns, please feel free to reach out!</a:t>
+            </a:r>
+          </a:p>
+        </p:txBody>
+      </p:sp>
+      <p:sp>
+        <p:nvSpPr>
+          <p:cNvPr id="4" name="Slide Number Placeholder 3"/>
+          <p:cNvSpPr>
+            <a:spLocks noGrp="1"/>
+          </p:cNvSpPr>
+          <p:nvPr>
+            <p:ph type="sldNum" sz="quarter" idx="5"/>
+          </p:nvPr>
+        </p:nvSpPr>
+        <p:spPr/>
+        <p:txBody>
+          <a:bodyPr/>
+          <a:lstStyle/>
+          <a:p>
+            <a:fld id="{58DB3EFE-E5D6-9F46-A485-0D1A1B98F39B}" type="slidenum">
+              <a:rPr lang="en-US" smtClean="0"/>
+              <a:t>9</a:t>
+            </a:fld>
+            <a:endParaRPr lang="en-US"/>
+          </a:p>
+        </p:txBody>
+      </p:sp>
+    </p:spTree>
+    <p:extLst>
+      <p:ext uri="{BB962C8B-B14F-4D97-AF65-F5344CB8AC3E}">
+        <p14:creationId xmlns:p14="http://schemas.microsoft.com/office/powerpoint/2010/main" val="2900200756"/>
+      </p:ext>
+    </p:extLst>
+  </p:cSld>
+  <p:clrMapOvr>
+    <a:masterClrMapping/>
+  </p:clrMapOvr>
+</p:notes>
 </file>
 
 <file path=ppt/slideLayouts/slideLayout1.xml><?xml version="1.0" encoding="utf-8"?>
@@ -3351,7 +4930,12 @@
             <p:ph type="ctrTitle"/>
           </p:nvPr>
         </p:nvSpPr>
-        <p:spPr/>
+        <p:spPr>
+          <a:xfrm>
+            <a:off x="2236573" y="2198858"/>
+            <a:ext cx="7718854" cy="1792374"/>
+          </a:xfrm>
+        </p:spPr>
         <p:txBody>
           <a:bodyPr/>
           <a:lstStyle/>
@@ -3386,7 +4970,12 @@
             <p:ph type="subTitle" idx="1"/>
           </p:nvPr>
         </p:nvSpPr>
-        <p:spPr/>
+        <p:spPr>
+          <a:xfrm>
+            <a:off x="4572000" y="4659142"/>
+            <a:ext cx="3048000" cy="426265"/>
+          </a:xfrm>
+        </p:spPr>
         <p:txBody>
           <a:bodyPr/>
           <a:lstStyle/>
@@ -3402,89 +4991,6 @@
     <p:extLst>
       <p:ext uri="{BB962C8B-B14F-4D97-AF65-F5344CB8AC3E}">
         <p14:creationId xmlns:p14="http://schemas.microsoft.com/office/powerpoint/2010/main" val="778942341"/>
-      </p:ext>
-    </p:extLst>
-  </p:cSld>
-  <p:clrMapOvr>
-    <a:masterClrMapping/>
-  </p:clrMapOvr>
-</p:sld>
-</file>
-
-<file path=ppt/slides/slide10.xml><?xml version="1.0" encoding="utf-8"?>
-<p:sld xmlns:a="http://schemas.openxmlformats.org/drawingml/2006/main" xmlns:r="http://schemas.openxmlformats.org/officeDocument/2006/relationships" xmlns:p="http://schemas.openxmlformats.org/presentationml/2006/main">
-  <p:cSld>
-    <p:spTree>
-      <p:nvGrpSpPr>
-        <p:cNvPr id="1" name=""/>
-        <p:cNvGrpSpPr/>
-        <p:nvPr/>
-      </p:nvGrpSpPr>
-      <p:grpSpPr>
-        <a:xfrm>
-          <a:off x="0" y="0"/>
-          <a:ext cx="0" cy="0"/>
-          <a:chOff x="0" y="0"/>
-          <a:chExt cx="0" cy="0"/>
-        </a:xfrm>
-      </p:grpSpPr>
-      <p:sp>
-        <p:nvSpPr>
-          <p:cNvPr id="2" name="Title 1">
-            <a:extLst>
-              <a:ext uri="{FF2B5EF4-FFF2-40B4-BE49-F238E27FC236}">
-                <a16:creationId xmlns:a16="http://schemas.microsoft.com/office/drawing/2014/main" id="{68EB2991-A166-7B77-B3ED-7CC3607300CE}"/>
-              </a:ext>
-            </a:extLst>
-          </p:cNvPr>
-          <p:cNvSpPr>
-            <a:spLocks noGrp="1"/>
-          </p:cNvSpPr>
-          <p:nvPr>
-            <p:ph type="title"/>
-          </p:nvPr>
-        </p:nvSpPr>
-        <p:spPr/>
-        <p:txBody>
-          <a:bodyPr/>
-          <a:lstStyle/>
-          <a:p>
-            <a:r>
-              <a:rPr lang="en-US" dirty="0"/>
-              <a:t>Conclusion</a:t>
-            </a:r>
-          </a:p>
-        </p:txBody>
-      </p:sp>
-      <p:sp>
-        <p:nvSpPr>
-          <p:cNvPr id="3" name="Content Placeholder 2">
-            <a:extLst>
-              <a:ext uri="{FF2B5EF4-FFF2-40B4-BE49-F238E27FC236}">
-                <a16:creationId xmlns:a16="http://schemas.microsoft.com/office/drawing/2014/main" id="{BDECA7AD-54E1-73D2-A081-02659F0BB26C}"/>
-              </a:ext>
-            </a:extLst>
-          </p:cNvPr>
-          <p:cNvSpPr>
-            <a:spLocks noGrp="1"/>
-          </p:cNvSpPr>
-          <p:nvPr>
-            <p:ph idx="1"/>
-          </p:nvPr>
-        </p:nvSpPr>
-        <p:spPr/>
-        <p:txBody>
-          <a:bodyPr/>
-          <a:lstStyle/>
-          <a:p>
-            <a:endParaRPr lang="en-US" dirty="0"/>
-          </a:p>
-        </p:txBody>
-      </p:sp>
-    </p:spTree>
-    <p:extLst>
-      <p:ext uri="{BB962C8B-B14F-4D97-AF65-F5344CB8AC3E}">
-        <p14:creationId xmlns:p14="http://schemas.microsoft.com/office/powerpoint/2010/main" val="268215153"/>
       </p:ext>
     </p:extLst>
   </p:cSld>
@@ -3527,7 +5033,12 @@
             <p:ph type="title"/>
           </p:nvPr>
         </p:nvSpPr>
-        <p:spPr/>
+        <p:spPr>
+          <a:xfrm>
+            <a:off x="4565431" y="333594"/>
+            <a:ext cx="3061138" cy="1095813"/>
+          </a:xfrm>
+        </p:spPr>
         <p:txBody>
           <a:bodyPr/>
           <a:lstStyle/>
@@ -3651,7 +5162,7 @@
         </p:nvSpPr>
         <p:spPr>
           <a:xfrm>
-            <a:off x="838200" y="1121870"/>
+            <a:off x="3371193" y="545251"/>
             <a:ext cx="4532586" cy="854075"/>
           </a:xfrm>
         </p:spPr>
@@ -3684,7 +5195,7 @@
         </p:nvSpPr>
         <p:spPr>
           <a:xfrm>
-            <a:off x="838200" y="2073603"/>
+            <a:off x="838200" y="1399326"/>
             <a:ext cx="10365828" cy="1874016"/>
           </a:xfrm>
         </p:spPr>
@@ -3732,7 +5243,7 @@
         </p:nvSpPr>
         <p:spPr>
           <a:xfrm>
-            <a:off x="838200" y="4442098"/>
+            <a:off x="4281651" y="3574780"/>
             <a:ext cx="2711670" cy="686950"/>
           </a:xfrm>
           <a:prstGeom prst="rect">
@@ -3786,7 +5297,7 @@
         </p:nvSpPr>
         <p:spPr>
           <a:xfrm>
-            <a:off x="838200" y="5226706"/>
+            <a:off x="838200" y="4435996"/>
             <a:ext cx="9598572" cy="1022678"/>
           </a:xfrm>
           <a:prstGeom prst="rect">
@@ -4015,7 +5526,12 @@
             <p:ph type="title"/>
           </p:nvPr>
         </p:nvSpPr>
-        <p:spPr/>
+        <p:spPr>
+          <a:xfrm>
+            <a:off x="2116520" y="386146"/>
+            <a:ext cx="7958959" cy="990709"/>
+          </a:xfrm>
+        </p:spPr>
         <p:txBody>
           <a:bodyPr/>
           <a:lstStyle/>
@@ -4131,7 +5647,12 @@
             <p:ph type="title"/>
           </p:nvPr>
         </p:nvSpPr>
-        <p:spPr/>
+        <p:spPr>
+          <a:xfrm>
+            <a:off x="3703583" y="239001"/>
+            <a:ext cx="4784834" cy="969689"/>
+          </a:xfrm>
+        </p:spPr>
         <p:txBody>
           <a:bodyPr/>
           <a:lstStyle/>
@@ -4159,7 +5680,12 @@
             <p:ph idx="1"/>
           </p:nvPr>
         </p:nvSpPr>
-        <p:spPr/>
+        <p:spPr>
+          <a:xfrm>
+            <a:off x="760686" y="1871881"/>
+            <a:ext cx="10670628" cy="3114237"/>
+          </a:xfrm>
+        </p:spPr>
         <p:txBody>
           <a:bodyPr/>
           <a:lstStyle/>
@@ -4200,7 +5726,7 @@
             <a:pPr lvl="1"/>
             <a:r>
               <a:rPr lang="en-US" dirty="0"/>
-              <a:t>The three predictions with &lt; 80% accuracy had 79.6-79.9% accuracy</a:t>
+              <a:t>The three predictions with &lt; 80% accuracy had 79.2-79.9% accuracy</a:t>
             </a:r>
           </a:p>
           <a:p>
@@ -4261,7 +5787,12 @@
             <p:ph type="title"/>
           </p:nvPr>
         </p:nvSpPr>
-        <p:spPr/>
+        <p:spPr>
+          <a:xfrm>
+            <a:off x="4039913" y="328120"/>
+            <a:ext cx="3817883" cy="769992"/>
+          </a:xfrm>
+        </p:spPr>
         <p:txBody>
           <a:bodyPr/>
           <a:lstStyle/>
@@ -4289,7 +5820,12 @@
             <p:ph idx="1"/>
           </p:nvPr>
         </p:nvSpPr>
-        <p:spPr/>
+        <p:spPr>
+          <a:xfrm>
+            <a:off x="838200" y="1216025"/>
+            <a:ext cx="10281745" cy="2105244"/>
+          </a:xfrm>
+        </p:spPr>
         <p:txBody>
           <a:bodyPr/>
           <a:lstStyle/>
@@ -4326,6 +5862,272 @@
             </a:r>
           </a:p>
           <a:p>
+            <a:endParaRPr lang="en-US" dirty="0"/>
+          </a:p>
+        </p:txBody>
+      </p:sp>
+      <p:sp>
+        <p:nvSpPr>
+          <p:cNvPr id="4" name="Title 1">
+            <a:extLst>
+              <a:ext uri="{FF2B5EF4-FFF2-40B4-BE49-F238E27FC236}">
+                <a16:creationId xmlns:a16="http://schemas.microsoft.com/office/drawing/2014/main" id="{C7D00913-6EA6-4BD5-FE29-63B8F0569D23}"/>
+              </a:ext>
+            </a:extLst>
+          </p:cNvPr>
+          <p:cNvSpPr txBox="1">
+            <a:spLocks/>
+          </p:cNvSpPr>
+          <p:nvPr/>
+        </p:nvSpPr>
+        <p:spPr>
+          <a:xfrm>
+            <a:off x="3540672" y="3444438"/>
+            <a:ext cx="5110655" cy="864585"/>
+          </a:xfrm>
+          <a:prstGeom prst="rect">
+            <a:avLst/>
+          </a:prstGeom>
+        </p:spPr>
+        <p:txBody>
+          <a:bodyPr vert="horz" lIns="91440" tIns="45720" rIns="91440" bIns="45720" rtlCol="0" anchor="ctr">
+            <a:normAutofit/>
+          </a:bodyPr>
+          <a:lstStyle>
+            <a:lvl1pPr algn="l" defTabSz="914400" rtl="0" eaLnBrk="1" latinLnBrk="0" hangingPunct="1">
+              <a:lnSpc>
+                <a:spcPct val="90000"/>
+              </a:lnSpc>
+              <a:spcBef>
+                <a:spcPct val="0"/>
+              </a:spcBef>
+              <a:buNone/>
+              <a:defRPr sz="4400" kern="1200">
+                <a:solidFill>
+                  <a:schemeClr val="tx1"/>
+                </a:solidFill>
+                <a:latin typeface="+mj-lt"/>
+                <a:ea typeface="+mj-ea"/>
+                <a:cs typeface="+mj-cs"/>
+              </a:defRPr>
+            </a:lvl1pPr>
+          </a:lstStyle>
+          <a:p>
+            <a:r>
+              <a:rPr lang="en-US" dirty="0"/>
+              <a:t>Technique Limitations</a:t>
+            </a:r>
+          </a:p>
+        </p:txBody>
+      </p:sp>
+      <p:sp>
+        <p:nvSpPr>
+          <p:cNvPr id="5" name="Content Placeholder 2">
+            <a:extLst>
+              <a:ext uri="{FF2B5EF4-FFF2-40B4-BE49-F238E27FC236}">
+                <a16:creationId xmlns:a16="http://schemas.microsoft.com/office/drawing/2014/main" id="{E02971DC-0DCC-2DF5-9D18-3D8AEFE4EA62}"/>
+              </a:ext>
+            </a:extLst>
+          </p:cNvPr>
+          <p:cNvSpPr txBox="1">
+            <a:spLocks/>
+          </p:cNvSpPr>
+          <p:nvPr/>
+        </p:nvSpPr>
+        <p:spPr>
+          <a:xfrm>
+            <a:off x="838200" y="4327087"/>
+            <a:ext cx="10103069" cy="1989630"/>
+          </a:xfrm>
+          <a:prstGeom prst="rect">
+            <a:avLst/>
+          </a:prstGeom>
+        </p:spPr>
+        <p:txBody>
+          <a:bodyPr vert="horz" lIns="91440" tIns="45720" rIns="91440" bIns="45720" rtlCol="0">
+            <a:normAutofit/>
+          </a:bodyPr>
+          <a:lstStyle>
+            <a:lvl1pPr marL="228600" indent="-228600" algn="l" defTabSz="914400" rtl="0" eaLnBrk="1" latinLnBrk="0" hangingPunct="1">
+              <a:lnSpc>
+                <a:spcPct val="90000"/>
+              </a:lnSpc>
+              <a:spcBef>
+                <a:spcPts val="1000"/>
+              </a:spcBef>
+              <a:buFont typeface="Arial" panose="020B0604020202020204" pitchFamily="34" charset="0"/>
+              <a:buChar char="•"/>
+              <a:defRPr sz="2800" kern="1200">
+                <a:solidFill>
+                  <a:schemeClr val="tx1"/>
+                </a:solidFill>
+                <a:latin typeface="+mn-lt"/>
+                <a:ea typeface="+mn-ea"/>
+                <a:cs typeface="+mn-cs"/>
+              </a:defRPr>
+            </a:lvl1pPr>
+            <a:lvl2pPr marL="685800" indent="-228600" algn="l" defTabSz="914400" rtl="0" eaLnBrk="1" latinLnBrk="0" hangingPunct="1">
+              <a:lnSpc>
+                <a:spcPct val="90000"/>
+              </a:lnSpc>
+              <a:spcBef>
+                <a:spcPts val="500"/>
+              </a:spcBef>
+              <a:buFont typeface="Arial" panose="020B0604020202020204" pitchFamily="34" charset="0"/>
+              <a:buChar char="•"/>
+              <a:defRPr sz="2400" kern="1200">
+                <a:solidFill>
+                  <a:schemeClr val="tx1"/>
+                </a:solidFill>
+                <a:latin typeface="+mn-lt"/>
+                <a:ea typeface="+mn-ea"/>
+                <a:cs typeface="+mn-cs"/>
+              </a:defRPr>
+            </a:lvl2pPr>
+            <a:lvl3pPr marL="1143000" indent="-228600" algn="l" defTabSz="914400" rtl="0" eaLnBrk="1" latinLnBrk="0" hangingPunct="1">
+              <a:lnSpc>
+                <a:spcPct val="90000"/>
+              </a:lnSpc>
+              <a:spcBef>
+                <a:spcPts val="500"/>
+              </a:spcBef>
+              <a:buFont typeface="Arial" panose="020B0604020202020204" pitchFamily="34" charset="0"/>
+              <a:buChar char="•"/>
+              <a:defRPr sz="2000" kern="1200">
+                <a:solidFill>
+                  <a:schemeClr val="tx1"/>
+                </a:solidFill>
+                <a:latin typeface="+mn-lt"/>
+                <a:ea typeface="+mn-ea"/>
+                <a:cs typeface="+mn-cs"/>
+              </a:defRPr>
+            </a:lvl3pPr>
+            <a:lvl4pPr marL="1600200" indent="-228600" algn="l" defTabSz="914400" rtl="0" eaLnBrk="1" latinLnBrk="0" hangingPunct="1">
+              <a:lnSpc>
+                <a:spcPct val="90000"/>
+              </a:lnSpc>
+              <a:spcBef>
+                <a:spcPts val="500"/>
+              </a:spcBef>
+              <a:buFont typeface="Arial" panose="020B0604020202020204" pitchFamily="34" charset="0"/>
+              <a:buChar char="•"/>
+              <a:defRPr sz="1800" kern="1200">
+                <a:solidFill>
+                  <a:schemeClr val="tx1"/>
+                </a:solidFill>
+                <a:latin typeface="+mn-lt"/>
+                <a:ea typeface="+mn-ea"/>
+                <a:cs typeface="+mn-cs"/>
+              </a:defRPr>
+            </a:lvl4pPr>
+            <a:lvl5pPr marL="2057400" indent="-228600" algn="l" defTabSz="914400" rtl="0" eaLnBrk="1" latinLnBrk="0" hangingPunct="1">
+              <a:lnSpc>
+                <a:spcPct val="90000"/>
+              </a:lnSpc>
+              <a:spcBef>
+                <a:spcPts val="500"/>
+              </a:spcBef>
+              <a:buFont typeface="Arial" panose="020B0604020202020204" pitchFamily="34" charset="0"/>
+              <a:buChar char="•"/>
+              <a:defRPr sz="1800" kern="1200">
+                <a:solidFill>
+                  <a:schemeClr val="tx1"/>
+                </a:solidFill>
+                <a:latin typeface="+mn-lt"/>
+                <a:ea typeface="+mn-ea"/>
+                <a:cs typeface="+mn-cs"/>
+              </a:defRPr>
+            </a:lvl5pPr>
+            <a:lvl6pPr marL="2514600" indent="-228600" algn="l" defTabSz="914400" rtl="0" eaLnBrk="1" latinLnBrk="0" hangingPunct="1">
+              <a:lnSpc>
+                <a:spcPct val="90000"/>
+              </a:lnSpc>
+              <a:spcBef>
+                <a:spcPts val="500"/>
+              </a:spcBef>
+              <a:buFont typeface="Arial" panose="020B0604020202020204" pitchFamily="34" charset="0"/>
+              <a:buChar char="•"/>
+              <a:defRPr sz="1800" kern="1200">
+                <a:solidFill>
+                  <a:schemeClr val="tx1"/>
+                </a:solidFill>
+                <a:latin typeface="+mn-lt"/>
+                <a:ea typeface="+mn-ea"/>
+                <a:cs typeface="+mn-cs"/>
+              </a:defRPr>
+            </a:lvl6pPr>
+            <a:lvl7pPr marL="2971800" indent="-228600" algn="l" defTabSz="914400" rtl="0" eaLnBrk="1" latinLnBrk="0" hangingPunct="1">
+              <a:lnSpc>
+                <a:spcPct val="90000"/>
+              </a:lnSpc>
+              <a:spcBef>
+                <a:spcPts val="500"/>
+              </a:spcBef>
+              <a:buFont typeface="Arial" panose="020B0604020202020204" pitchFamily="34" charset="0"/>
+              <a:buChar char="•"/>
+              <a:defRPr sz="1800" kern="1200">
+                <a:solidFill>
+                  <a:schemeClr val="tx1"/>
+                </a:solidFill>
+                <a:latin typeface="+mn-lt"/>
+                <a:ea typeface="+mn-ea"/>
+                <a:cs typeface="+mn-cs"/>
+              </a:defRPr>
+            </a:lvl7pPr>
+            <a:lvl8pPr marL="3429000" indent="-228600" algn="l" defTabSz="914400" rtl="0" eaLnBrk="1" latinLnBrk="0" hangingPunct="1">
+              <a:lnSpc>
+                <a:spcPct val="90000"/>
+              </a:lnSpc>
+              <a:spcBef>
+                <a:spcPts val="500"/>
+              </a:spcBef>
+              <a:buFont typeface="Arial" panose="020B0604020202020204" pitchFamily="34" charset="0"/>
+              <a:buChar char="•"/>
+              <a:defRPr sz="1800" kern="1200">
+                <a:solidFill>
+                  <a:schemeClr val="tx1"/>
+                </a:solidFill>
+                <a:latin typeface="+mn-lt"/>
+                <a:ea typeface="+mn-ea"/>
+                <a:cs typeface="+mn-cs"/>
+              </a:defRPr>
+            </a:lvl8pPr>
+            <a:lvl9pPr marL="3886200" indent="-228600" algn="l" defTabSz="914400" rtl="0" eaLnBrk="1" latinLnBrk="0" hangingPunct="1">
+              <a:lnSpc>
+                <a:spcPct val="90000"/>
+              </a:lnSpc>
+              <a:spcBef>
+                <a:spcPts val="500"/>
+              </a:spcBef>
+              <a:buFont typeface="Arial" panose="020B0604020202020204" pitchFamily="34" charset="0"/>
+              <a:buChar char="•"/>
+              <a:defRPr sz="1800" kern="1200">
+                <a:solidFill>
+                  <a:schemeClr val="tx1"/>
+                </a:solidFill>
+                <a:latin typeface="+mn-lt"/>
+                <a:ea typeface="+mn-ea"/>
+                <a:cs typeface="+mn-cs"/>
+              </a:defRPr>
+            </a:lvl9pPr>
+          </a:lstStyle>
+          <a:p>
+            <a:r>
+              <a:rPr lang="en-US"/>
+              <a:t>Time Series Analysis performance is subject to the data collection method</a:t>
+            </a:r>
+          </a:p>
+          <a:p>
+            <a:r>
+              <a:rPr lang="en-US"/>
+              <a:t>Time Series Analysis suffers from generalization from single study</a:t>
+            </a:r>
+          </a:p>
+          <a:p>
+            <a:r>
+              <a:rPr lang="en-US"/>
+              <a:t>Current analysis was performed by pre-collected historical data</a:t>
+            </a:r>
             <a:endParaRPr lang="en-US" dirty="0"/>
           </a:p>
         </p:txBody>
@@ -4376,14 +6178,21 @@
             <p:ph type="title"/>
           </p:nvPr>
         </p:nvSpPr>
-        <p:spPr/>
-        <p:txBody>
-          <a:bodyPr/>
-          <a:lstStyle/>
-          <a:p>
-            <a:r>
-              <a:rPr lang="en-US" dirty="0"/>
-              <a:t>Technique Limitations</a:t>
+        <p:spPr>
+          <a:xfrm>
+            <a:off x="2500147" y="821174"/>
+            <a:ext cx="7191703" cy="717441"/>
+          </a:xfrm>
+        </p:spPr>
+        <p:txBody>
+          <a:bodyPr>
+            <a:normAutofit/>
+          </a:bodyPr>
+          <a:lstStyle/>
+          <a:p>
+            <a:r>
+              <a:rPr lang="en-US" dirty="0"/>
+              <a:t>Summary of Proposed Actions</a:t>
             </a:r>
           </a:p>
         </p:txBody>
@@ -4404,20 +6213,31 @@
             <p:ph idx="1"/>
           </p:nvPr>
         </p:nvSpPr>
-        <p:spPr/>
-        <p:txBody>
-          <a:bodyPr/>
-          <a:lstStyle/>
-          <a:p>
-            <a:r>
-              <a:rPr lang="en-US" dirty="0"/>
-              <a:t>Time Series Analysis performance is subject to the data collection method</a:t>
-            </a:r>
-          </a:p>
-          <a:p>
-            <a:r>
-              <a:rPr lang="en-US" dirty="0"/>
-              <a:t>Current analysis was performed by pre-collected historical data</a:t>
+        <p:spPr>
+          <a:xfrm>
+            <a:off x="944616" y="2604541"/>
+            <a:ext cx="10302766" cy="2714844"/>
+          </a:xfrm>
+        </p:spPr>
+        <p:txBody>
+          <a:bodyPr/>
+          <a:lstStyle/>
+          <a:p>
+            <a:r>
+              <a:rPr lang="en-US" dirty="0"/>
+              <a:t>Review of the prediction model to determine why predicted value is always below actual price</a:t>
+            </a:r>
+          </a:p>
+          <a:p>
+            <a:r>
+              <a:rPr lang="en-US" dirty="0"/>
+              <a:t>Add functionality to prediction model to support additional companies</a:t>
+            </a:r>
+          </a:p>
+          <a:p>
+            <a:r>
+              <a:rPr lang="en-US" dirty="0"/>
+              <a:t>Improve model to intake future historical data to allow continued predictions on not yet available data</a:t>
             </a:r>
           </a:p>
         </p:txBody>
@@ -4425,7 +6245,7 @@
     </p:spTree>
     <p:extLst>
       <p:ext uri="{BB962C8B-B14F-4D97-AF65-F5344CB8AC3E}">
-        <p14:creationId xmlns:p14="http://schemas.microsoft.com/office/powerpoint/2010/main" val="1253226895"/>
+        <p14:creationId xmlns:p14="http://schemas.microsoft.com/office/powerpoint/2010/main" val="4271917167"/>
       </p:ext>
     </p:extLst>
   </p:cSld>
@@ -4454,68 +6274,265 @@
       </p:grpSpPr>
       <p:sp>
         <p:nvSpPr>
-          <p:cNvPr id="2" name="Title 1">
-            <a:extLst>
-              <a:ext uri="{FF2B5EF4-FFF2-40B4-BE49-F238E27FC236}">
-                <a16:creationId xmlns:a16="http://schemas.microsoft.com/office/drawing/2014/main" id="{DB4311F9-0720-8BD7-B32E-A1F1E0F7D88F}"/>
-              </a:ext>
-            </a:extLst>
-          </p:cNvPr>
-          <p:cNvSpPr>
-            <a:spLocks noGrp="1"/>
-          </p:cNvSpPr>
-          <p:nvPr>
-            <p:ph type="title"/>
-          </p:nvPr>
-        </p:nvSpPr>
-        <p:spPr/>
-        <p:txBody>
-          <a:bodyPr/>
-          <a:lstStyle/>
-          <a:p>
-            <a:r>
-              <a:rPr lang="en-US" dirty="0"/>
-              <a:t>Summary of Proposed Actions</a:t>
-            </a:r>
-          </a:p>
-        </p:txBody>
-      </p:sp>
-      <p:sp>
-        <p:nvSpPr>
-          <p:cNvPr id="3" name="Content Placeholder 2">
-            <a:extLst>
-              <a:ext uri="{FF2B5EF4-FFF2-40B4-BE49-F238E27FC236}">
-                <a16:creationId xmlns:a16="http://schemas.microsoft.com/office/drawing/2014/main" id="{ED1B24BE-FED5-EAE7-31FA-687658D0DFD6}"/>
-              </a:ext>
-            </a:extLst>
-          </p:cNvPr>
-          <p:cNvSpPr>
-            <a:spLocks noGrp="1"/>
-          </p:cNvSpPr>
-          <p:nvPr>
-            <p:ph idx="1"/>
-          </p:nvPr>
-        </p:nvSpPr>
-        <p:spPr/>
-        <p:txBody>
-          <a:bodyPr/>
-          <a:lstStyle/>
-          <a:p>
-            <a:r>
-              <a:rPr lang="en-US" dirty="0"/>
-              <a:t>Review of the prediction model to determine why predicted value is always below actual price</a:t>
-            </a:r>
-          </a:p>
-          <a:p>
-            <a:r>
-              <a:rPr lang="en-US" dirty="0"/>
-              <a:t>Add functionality to prediction model to support additional companies</a:t>
-            </a:r>
-          </a:p>
-          <a:p>
-            <a:r>
-              <a:rPr lang="en-US" dirty="0"/>
-              <a:t>Improve model to intake future historical data to allow continued predictions on not yet available data</a:t>
+          <p:cNvPr id="4" name="Title 1">
+            <a:extLst>
+              <a:ext uri="{FF2B5EF4-FFF2-40B4-BE49-F238E27FC236}">
+                <a16:creationId xmlns:a16="http://schemas.microsoft.com/office/drawing/2014/main" id="{53B5E408-0CE7-4B0F-A1AC-5FE06135FE1A}"/>
+              </a:ext>
+            </a:extLst>
+          </p:cNvPr>
+          <p:cNvSpPr txBox="1">
+            <a:spLocks/>
+          </p:cNvSpPr>
+          <p:nvPr/>
+        </p:nvSpPr>
+        <p:spPr>
+          <a:xfrm>
+            <a:off x="2831224" y="597995"/>
+            <a:ext cx="6529552" cy="675399"/>
+          </a:xfrm>
+          <a:prstGeom prst="rect">
+            <a:avLst/>
+          </a:prstGeom>
+        </p:spPr>
+        <p:txBody>
+          <a:bodyPr vert="horz" lIns="91440" tIns="45720" rIns="91440" bIns="45720" rtlCol="0" anchor="ctr">
+            <a:normAutofit fontScale="97500" lnSpcReduction="10000"/>
+          </a:bodyPr>
+          <a:lstStyle>
+            <a:lvl1pPr algn="l" defTabSz="914400" rtl="0" eaLnBrk="1" latinLnBrk="0" hangingPunct="1">
+              <a:lnSpc>
+                <a:spcPct val="90000"/>
+              </a:lnSpc>
+              <a:spcBef>
+                <a:spcPct val="0"/>
+              </a:spcBef>
+              <a:buNone/>
+              <a:defRPr sz="4400" kern="1200">
+                <a:solidFill>
+                  <a:schemeClr val="tx1"/>
+                </a:solidFill>
+                <a:latin typeface="+mj-lt"/>
+                <a:ea typeface="+mj-ea"/>
+                <a:cs typeface="+mj-cs"/>
+              </a:defRPr>
+            </a:lvl1pPr>
+          </a:lstStyle>
+          <a:p>
+            <a:r>
+              <a:rPr lang="en-US" dirty="0"/>
+              <a:t>Expected Benefits of Study</a:t>
+            </a:r>
+          </a:p>
+        </p:txBody>
+      </p:sp>
+      <p:sp>
+        <p:nvSpPr>
+          <p:cNvPr id="5" name="Content Placeholder 2">
+            <a:extLst>
+              <a:ext uri="{FF2B5EF4-FFF2-40B4-BE49-F238E27FC236}">
+                <a16:creationId xmlns:a16="http://schemas.microsoft.com/office/drawing/2014/main" id="{16358E46-049A-C6E6-154D-AFB214DC66EF}"/>
+              </a:ext>
+            </a:extLst>
+          </p:cNvPr>
+          <p:cNvSpPr txBox="1">
+            <a:spLocks/>
+          </p:cNvSpPr>
+          <p:nvPr/>
+        </p:nvSpPr>
+        <p:spPr>
+          <a:xfrm>
+            <a:off x="2128345" y="2388996"/>
+            <a:ext cx="7935309" cy="2080008"/>
+          </a:xfrm>
+          <a:prstGeom prst="rect">
+            <a:avLst/>
+          </a:prstGeom>
+        </p:spPr>
+        <p:txBody>
+          <a:bodyPr vert="horz" lIns="91440" tIns="45720" rIns="91440" bIns="45720" rtlCol="0">
+            <a:normAutofit/>
+          </a:bodyPr>
+          <a:lstStyle>
+            <a:lvl1pPr marL="228600" indent="-228600" algn="l" defTabSz="914400" rtl="0" eaLnBrk="1" latinLnBrk="0" hangingPunct="1">
+              <a:lnSpc>
+                <a:spcPct val="90000"/>
+              </a:lnSpc>
+              <a:spcBef>
+                <a:spcPts val="1000"/>
+              </a:spcBef>
+              <a:buFont typeface="Arial" panose="020B0604020202020204" pitchFamily="34" charset="0"/>
+              <a:buChar char="•"/>
+              <a:defRPr sz="2800" kern="1200">
+                <a:solidFill>
+                  <a:schemeClr val="tx1"/>
+                </a:solidFill>
+                <a:latin typeface="+mn-lt"/>
+                <a:ea typeface="+mn-ea"/>
+                <a:cs typeface="+mn-cs"/>
+              </a:defRPr>
+            </a:lvl1pPr>
+            <a:lvl2pPr marL="685800" indent="-228600" algn="l" defTabSz="914400" rtl="0" eaLnBrk="1" latinLnBrk="0" hangingPunct="1">
+              <a:lnSpc>
+                <a:spcPct val="90000"/>
+              </a:lnSpc>
+              <a:spcBef>
+                <a:spcPts val="500"/>
+              </a:spcBef>
+              <a:buFont typeface="Arial" panose="020B0604020202020204" pitchFamily="34" charset="0"/>
+              <a:buChar char="•"/>
+              <a:defRPr sz="2400" kern="1200">
+                <a:solidFill>
+                  <a:schemeClr val="tx1"/>
+                </a:solidFill>
+                <a:latin typeface="+mn-lt"/>
+                <a:ea typeface="+mn-ea"/>
+                <a:cs typeface="+mn-cs"/>
+              </a:defRPr>
+            </a:lvl2pPr>
+            <a:lvl3pPr marL="1143000" indent="-228600" algn="l" defTabSz="914400" rtl="0" eaLnBrk="1" latinLnBrk="0" hangingPunct="1">
+              <a:lnSpc>
+                <a:spcPct val="90000"/>
+              </a:lnSpc>
+              <a:spcBef>
+                <a:spcPts val="500"/>
+              </a:spcBef>
+              <a:buFont typeface="Arial" panose="020B0604020202020204" pitchFamily="34" charset="0"/>
+              <a:buChar char="•"/>
+              <a:defRPr sz="2000" kern="1200">
+                <a:solidFill>
+                  <a:schemeClr val="tx1"/>
+                </a:solidFill>
+                <a:latin typeface="+mn-lt"/>
+                <a:ea typeface="+mn-ea"/>
+                <a:cs typeface="+mn-cs"/>
+              </a:defRPr>
+            </a:lvl3pPr>
+            <a:lvl4pPr marL="1600200" indent="-228600" algn="l" defTabSz="914400" rtl="0" eaLnBrk="1" latinLnBrk="0" hangingPunct="1">
+              <a:lnSpc>
+                <a:spcPct val="90000"/>
+              </a:lnSpc>
+              <a:spcBef>
+                <a:spcPts val="500"/>
+              </a:spcBef>
+              <a:buFont typeface="Arial" panose="020B0604020202020204" pitchFamily="34" charset="0"/>
+              <a:buChar char="•"/>
+              <a:defRPr sz="1800" kern="1200">
+                <a:solidFill>
+                  <a:schemeClr val="tx1"/>
+                </a:solidFill>
+                <a:latin typeface="+mn-lt"/>
+                <a:ea typeface="+mn-ea"/>
+                <a:cs typeface="+mn-cs"/>
+              </a:defRPr>
+            </a:lvl4pPr>
+            <a:lvl5pPr marL="2057400" indent="-228600" algn="l" defTabSz="914400" rtl="0" eaLnBrk="1" latinLnBrk="0" hangingPunct="1">
+              <a:lnSpc>
+                <a:spcPct val="90000"/>
+              </a:lnSpc>
+              <a:spcBef>
+                <a:spcPts val="500"/>
+              </a:spcBef>
+              <a:buFont typeface="Arial" panose="020B0604020202020204" pitchFamily="34" charset="0"/>
+              <a:buChar char="•"/>
+              <a:defRPr sz="1800" kern="1200">
+                <a:solidFill>
+                  <a:schemeClr val="tx1"/>
+                </a:solidFill>
+                <a:latin typeface="+mn-lt"/>
+                <a:ea typeface="+mn-ea"/>
+                <a:cs typeface="+mn-cs"/>
+              </a:defRPr>
+            </a:lvl5pPr>
+            <a:lvl6pPr marL="2514600" indent="-228600" algn="l" defTabSz="914400" rtl="0" eaLnBrk="1" latinLnBrk="0" hangingPunct="1">
+              <a:lnSpc>
+                <a:spcPct val="90000"/>
+              </a:lnSpc>
+              <a:spcBef>
+                <a:spcPts val="500"/>
+              </a:spcBef>
+              <a:buFont typeface="Arial" panose="020B0604020202020204" pitchFamily="34" charset="0"/>
+              <a:buChar char="•"/>
+              <a:defRPr sz="1800" kern="1200">
+                <a:solidFill>
+                  <a:schemeClr val="tx1"/>
+                </a:solidFill>
+                <a:latin typeface="+mn-lt"/>
+                <a:ea typeface="+mn-ea"/>
+                <a:cs typeface="+mn-cs"/>
+              </a:defRPr>
+            </a:lvl6pPr>
+            <a:lvl7pPr marL="2971800" indent="-228600" algn="l" defTabSz="914400" rtl="0" eaLnBrk="1" latinLnBrk="0" hangingPunct="1">
+              <a:lnSpc>
+                <a:spcPct val="90000"/>
+              </a:lnSpc>
+              <a:spcBef>
+                <a:spcPts val="500"/>
+              </a:spcBef>
+              <a:buFont typeface="Arial" panose="020B0604020202020204" pitchFamily="34" charset="0"/>
+              <a:buChar char="•"/>
+              <a:defRPr sz="1800" kern="1200">
+                <a:solidFill>
+                  <a:schemeClr val="tx1"/>
+                </a:solidFill>
+                <a:latin typeface="+mn-lt"/>
+                <a:ea typeface="+mn-ea"/>
+                <a:cs typeface="+mn-cs"/>
+              </a:defRPr>
+            </a:lvl7pPr>
+            <a:lvl8pPr marL="3429000" indent="-228600" algn="l" defTabSz="914400" rtl="0" eaLnBrk="1" latinLnBrk="0" hangingPunct="1">
+              <a:lnSpc>
+                <a:spcPct val="90000"/>
+              </a:lnSpc>
+              <a:spcBef>
+                <a:spcPts val="500"/>
+              </a:spcBef>
+              <a:buFont typeface="Arial" panose="020B0604020202020204" pitchFamily="34" charset="0"/>
+              <a:buChar char="•"/>
+              <a:defRPr sz="1800" kern="1200">
+                <a:solidFill>
+                  <a:schemeClr val="tx1"/>
+                </a:solidFill>
+                <a:latin typeface="+mn-lt"/>
+                <a:ea typeface="+mn-ea"/>
+                <a:cs typeface="+mn-cs"/>
+              </a:defRPr>
+            </a:lvl8pPr>
+            <a:lvl9pPr marL="3886200" indent="-228600" algn="l" defTabSz="914400" rtl="0" eaLnBrk="1" latinLnBrk="0" hangingPunct="1">
+              <a:lnSpc>
+                <a:spcPct val="90000"/>
+              </a:lnSpc>
+              <a:spcBef>
+                <a:spcPts val="500"/>
+              </a:spcBef>
+              <a:buFont typeface="Arial" panose="020B0604020202020204" pitchFamily="34" charset="0"/>
+              <a:buChar char="•"/>
+              <a:defRPr sz="1800" kern="1200">
+                <a:solidFill>
+                  <a:schemeClr val="tx1"/>
+                </a:solidFill>
+                <a:latin typeface="+mn-lt"/>
+                <a:ea typeface="+mn-ea"/>
+                <a:cs typeface="+mn-cs"/>
+              </a:defRPr>
+            </a:lvl9pPr>
+          </a:lstStyle>
+          <a:p>
+            <a:r>
+              <a:rPr lang="en-US" dirty="0"/>
+              <a:t>Increased confidence when investing</a:t>
+            </a:r>
+          </a:p>
+          <a:p>
+            <a:r>
+              <a:rPr lang="en-US" dirty="0"/>
+              <a:t>Ability to forecast spending/revenue</a:t>
+            </a:r>
+          </a:p>
+          <a:p>
+            <a:r>
+              <a:rPr lang="en-US" dirty="0"/>
+              <a:t>Model can be adapted to create stock predictions for additional companies </a:t>
             </a:r>
           </a:p>
         </p:txBody>
@@ -4523,7 +6540,7 @@
     </p:spTree>
     <p:extLst>
       <p:ext uri="{BB962C8B-B14F-4D97-AF65-F5344CB8AC3E}">
-        <p14:creationId xmlns:p14="http://schemas.microsoft.com/office/powerpoint/2010/main" val="4271917167"/>
+        <p14:creationId xmlns:p14="http://schemas.microsoft.com/office/powerpoint/2010/main" val="3629549104"/>
       </p:ext>
     </p:extLst>
   </p:cSld>
@@ -4552,62 +6569,54 @@
       </p:grpSpPr>
       <p:sp>
         <p:nvSpPr>
-          <p:cNvPr id="2" name="Title 1">
-            <a:extLst>
-              <a:ext uri="{FF2B5EF4-FFF2-40B4-BE49-F238E27FC236}">
-                <a16:creationId xmlns:a16="http://schemas.microsoft.com/office/drawing/2014/main" id="{DB4311F9-0720-8BD7-B32E-A1F1E0F7D88F}"/>
-              </a:ext>
-            </a:extLst>
-          </p:cNvPr>
-          <p:cNvSpPr>
-            <a:spLocks noGrp="1"/>
-          </p:cNvSpPr>
-          <p:nvPr>
-            <p:ph type="title"/>
-          </p:nvPr>
-        </p:nvSpPr>
-        <p:spPr/>
-        <p:txBody>
-          <a:bodyPr/>
-          <a:lstStyle/>
-          <a:p>
-            <a:r>
-              <a:rPr lang="en-US" dirty="0"/>
-              <a:t>Expected Benefits of Study</a:t>
-            </a:r>
-          </a:p>
-        </p:txBody>
-      </p:sp>
-      <p:sp>
-        <p:nvSpPr>
-          <p:cNvPr id="3" name="Content Placeholder 2">
-            <a:extLst>
-              <a:ext uri="{FF2B5EF4-FFF2-40B4-BE49-F238E27FC236}">
-                <a16:creationId xmlns:a16="http://schemas.microsoft.com/office/drawing/2014/main" id="{ED1B24BE-FED5-EAE7-31FA-687658D0DFD6}"/>
-              </a:ext>
-            </a:extLst>
-          </p:cNvPr>
-          <p:cNvSpPr>
-            <a:spLocks noGrp="1"/>
-          </p:cNvSpPr>
-          <p:nvPr>
-            <p:ph idx="1"/>
-          </p:nvPr>
-        </p:nvSpPr>
-        <p:spPr/>
-        <p:txBody>
-          <a:bodyPr/>
-          <a:lstStyle/>
-          <a:p>
-            <a:r>
-              <a:rPr lang="en-US" dirty="0"/>
-              <a:t>Added confidence for investors</a:t>
-            </a:r>
-          </a:p>
-          <a:p>
-            <a:r>
-              <a:rPr lang="en-US" dirty="0"/>
-              <a:t>Ability to forecast spending/revenue</a:t>
+          <p:cNvPr id="4" name="Title 1">
+            <a:extLst>
+              <a:ext uri="{FF2B5EF4-FFF2-40B4-BE49-F238E27FC236}">
+                <a16:creationId xmlns:a16="http://schemas.microsoft.com/office/drawing/2014/main" id="{53B5E408-0CE7-4B0F-A1AC-5FE06135FE1A}"/>
+              </a:ext>
+            </a:extLst>
+          </p:cNvPr>
+          <p:cNvSpPr txBox="1">
+            <a:spLocks/>
+          </p:cNvSpPr>
+          <p:nvPr/>
+        </p:nvSpPr>
+        <p:spPr>
+          <a:xfrm>
+            <a:off x="1532239" y="2403065"/>
+            <a:ext cx="9873047" cy="2051870"/>
+          </a:xfrm>
+          <a:prstGeom prst="rect">
+            <a:avLst/>
+          </a:prstGeom>
+        </p:spPr>
+        <p:txBody>
+          <a:bodyPr vert="horz" lIns="91440" tIns="45720" rIns="91440" bIns="45720" rtlCol="0" anchor="ctr">
+            <a:noAutofit/>
+          </a:bodyPr>
+          <a:lstStyle>
+            <a:lvl1pPr algn="l" defTabSz="914400" rtl="0" eaLnBrk="1" latinLnBrk="0" hangingPunct="1">
+              <a:lnSpc>
+                <a:spcPct val="90000"/>
+              </a:lnSpc>
+              <a:spcBef>
+                <a:spcPct val="0"/>
+              </a:spcBef>
+              <a:buNone/>
+              <a:defRPr sz="4400" kern="1200">
+                <a:solidFill>
+                  <a:schemeClr val="tx1"/>
+                </a:solidFill>
+                <a:latin typeface="+mj-lt"/>
+                <a:ea typeface="+mj-ea"/>
+                <a:cs typeface="+mj-cs"/>
+              </a:defRPr>
+            </a:lvl1pPr>
+          </a:lstStyle>
+          <a:p>
+            <a:r>
+              <a:rPr lang="en-US" sz="7200" dirty="0"/>
+              <a:t>Thank you for your time!</a:t>
             </a:r>
           </a:p>
         </p:txBody>
@@ -4615,7 +6624,7 @@
     </p:spTree>
     <p:extLst>
       <p:ext uri="{BB962C8B-B14F-4D97-AF65-F5344CB8AC3E}">
-        <p14:creationId xmlns:p14="http://schemas.microsoft.com/office/powerpoint/2010/main" val="2826497960"/>
+        <p14:creationId xmlns:p14="http://schemas.microsoft.com/office/powerpoint/2010/main" val="1854259822"/>
       </p:ext>
     </p:extLst>
   </p:cSld>
@@ -4918,4 +6927,299 @@
     </a:ext>
   </a:extLst>
 </a:theme>
+</file>
+
+<file path=ppt/theme/theme2.xml><?xml version="1.0" encoding="utf-8"?>
+<a:theme xmlns:a="http://schemas.openxmlformats.org/drawingml/2006/main" name="Office Theme">
+  <a:themeElements>
+    <a:clrScheme name="Office">
+      <a:dk1>
+        <a:sysClr val="windowText" lastClr="000000"/>
+      </a:dk1>
+      <a:lt1>
+        <a:sysClr val="window" lastClr="FFFFFF"/>
+      </a:lt1>
+      <a:dk2>
+        <a:srgbClr val="44546A"/>
+      </a:dk2>
+      <a:lt2>
+        <a:srgbClr val="E7E6E6"/>
+      </a:lt2>
+      <a:accent1>
+        <a:srgbClr val="4472C4"/>
+      </a:accent1>
+      <a:accent2>
+        <a:srgbClr val="ED7D31"/>
+      </a:accent2>
+      <a:accent3>
+        <a:srgbClr val="A5A5A5"/>
+      </a:accent3>
+      <a:accent4>
+        <a:srgbClr val="FFC000"/>
+      </a:accent4>
+      <a:accent5>
+        <a:srgbClr val="5B9BD5"/>
+      </a:accent5>
+      <a:accent6>
+        <a:srgbClr val="70AD47"/>
+      </a:accent6>
+      <a:hlink>
+        <a:srgbClr val="0563C1"/>
+      </a:hlink>
+      <a:folHlink>
+        <a:srgbClr val="954F72"/>
+      </a:folHlink>
+    </a:clrScheme>
+    <a:fontScheme name="Office">
+      <a:majorFont>
+        <a:latin typeface="Calibri Light" panose="020F0302020204030204"/>
+        <a:ea typeface=""/>
+        <a:cs typeface=""/>
+        <a:font script="Jpan" typeface="游ゴシック Light"/>
+        <a:font script="Hang" typeface="맑은 고딕"/>
+        <a:font script="Hans" typeface="等线 Light"/>
+        <a:font script="Hant" typeface="新細明體"/>
+        <a:font script="Arab" typeface="Times New Roman"/>
+        <a:font script="Hebr" typeface="Times New Roman"/>
+        <a:font script="Thai" typeface="Angsana New"/>
+        <a:font script="Ethi" typeface="Nyala"/>
+        <a:font script="Beng" typeface="Vrinda"/>
+        <a:font script="Gujr" typeface="Shruti"/>
+        <a:font script="Khmr" typeface="MoolBoran"/>
+        <a:font script="Knda" typeface="Tunga"/>
+        <a:font script="Guru" typeface="Raavi"/>
+        <a:font script="Cans" typeface="Euphemia"/>
+        <a:font script="Cher" typeface="Plantagenet Cherokee"/>
+        <a:font script="Yiii" typeface="Microsoft Yi Baiti"/>
+        <a:font script="Tibt" typeface="Microsoft Himalaya"/>
+        <a:font script="Thaa" typeface="MV Boli"/>
+        <a:font script="Deva" typeface="Mangal"/>
+        <a:font script="Telu" typeface="Gautami"/>
+        <a:font script="Taml" typeface="Latha"/>
+        <a:font script="Syrc" typeface="Estrangelo Edessa"/>
+        <a:font script="Orya" typeface="Kalinga"/>
+        <a:font script="Mlym" typeface="Kartika"/>
+        <a:font script="Laoo" typeface="DokChampa"/>
+        <a:font script="Sinh" typeface="Iskoola Pota"/>
+        <a:font script="Mong" typeface="Mongolian Baiti"/>
+        <a:font script="Viet" typeface="Times New Roman"/>
+        <a:font script="Uigh" typeface="Microsoft Uighur"/>
+        <a:font script="Geor" typeface="Sylfaen"/>
+        <a:font script="Armn" typeface="Arial"/>
+        <a:font script="Bugi" typeface="Leelawadee UI"/>
+        <a:font script="Bopo" typeface="Microsoft JhengHei"/>
+        <a:font script="Java" typeface="Javanese Text"/>
+        <a:font script="Lisu" typeface="Segoe UI"/>
+        <a:font script="Mymr" typeface="Myanmar Text"/>
+        <a:font script="Nkoo" typeface="Ebrima"/>
+        <a:font script="Olck" typeface="Nirmala UI"/>
+        <a:font script="Osma" typeface="Ebrima"/>
+        <a:font script="Phag" typeface="Phagspa"/>
+        <a:font script="Syrn" typeface="Estrangelo Edessa"/>
+        <a:font script="Syrj" typeface="Estrangelo Edessa"/>
+        <a:font script="Syre" typeface="Estrangelo Edessa"/>
+        <a:font script="Sora" typeface="Nirmala UI"/>
+        <a:font script="Tale" typeface="Microsoft Tai Le"/>
+        <a:font script="Talu" typeface="Microsoft New Tai Lue"/>
+        <a:font script="Tfng" typeface="Ebrima"/>
+      </a:majorFont>
+      <a:minorFont>
+        <a:latin typeface="Calibri" panose="020F0502020204030204"/>
+        <a:ea typeface=""/>
+        <a:cs typeface=""/>
+        <a:font script="Jpan" typeface="游ゴシック"/>
+        <a:font script="Hang" typeface="맑은 고딕"/>
+        <a:font script="Hans" typeface="等线"/>
+        <a:font script="Hant" typeface="新細明體"/>
+        <a:font script="Arab" typeface="Arial"/>
+        <a:font script="Hebr" typeface="Arial"/>
+        <a:font script="Thai" typeface="Cordia New"/>
+        <a:font script="Ethi" typeface="Nyala"/>
+        <a:font script="Beng" typeface="Vrinda"/>
+        <a:font script="Gujr" typeface="Shruti"/>
+        <a:font script="Khmr" typeface="DaunPenh"/>
+        <a:font script="Knda" typeface="Tunga"/>
+        <a:font script="Guru" typeface="Raavi"/>
+        <a:font script="Cans" typeface="Euphemia"/>
+        <a:font script="Cher" typeface="Plantagenet Cherokee"/>
+        <a:font script="Yiii" typeface="Microsoft Yi Baiti"/>
+        <a:font script="Tibt" typeface="Microsoft Himalaya"/>
+        <a:font script="Thaa" typeface="MV Boli"/>
+        <a:font script="Deva" typeface="Mangal"/>
+        <a:font script="Telu" typeface="Gautami"/>
+        <a:font script="Taml" typeface="Latha"/>
+        <a:font script="Syrc" typeface="Estrangelo Edessa"/>
+        <a:font script="Orya" typeface="Kalinga"/>
+        <a:font script="Mlym" typeface="Kartika"/>
+        <a:font script="Laoo" typeface="DokChampa"/>
+        <a:font script="Sinh" typeface="Iskoola Pota"/>
+        <a:font script="Mong" typeface="Mongolian Baiti"/>
+        <a:font script="Viet" typeface="Arial"/>
+        <a:font script="Uigh" typeface="Microsoft Uighur"/>
+        <a:font script="Geor" typeface="Sylfaen"/>
+        <a:font script="Armn" typeface="Arial"/>
+        <a:font script="Bugi" typeface="Leelawadee UI"/>
+        <a:font script="Bopo" typeface="Microsoft JhengHei"/>
+        <a:font script="Java" typeface="Javanese Text"/>
+        <a:font script="Lisu" typeface="Segoe UI"/>
+        <a:font script="Mymr" typeface="Myanmar Text"/>
+        <a:font script="Nkoo" typeface="Ebrima"/>
+        <a:font script="Olck" typeface="Nirmala UI"/>
+        <a:font script="Osma" typeface="Ebrima"/>
+        <a:font script="Phag" typeface="Phagspa"/>
+        <a:font script="Syrn" typeface="Estrangelo Edessa"/>
+        <a:font script="Syrj" typeface="Estrangelo Edessa"/>
+        <a:font script="Syre" typeface="Estrangelo Edessa"/>
+        <a:font script="Sora" typeface="Nirmala UI"/>
+        <a:font script="Tale" typeface="Microsoft Tai Le"/>
+        <a:font script="Talu" typeface="Microsoft New Tai Lue"/>
+        <a:font script="Tfng" typeface="Ebrima"/>
+      </a:minorFont>
+    </a:fontScheme>
+    <a:fmtScheme name="Office">
+      <a:fillStyleLst>
+        <a:solidFill>
+          <a:schemeClr val="phClr"/>
+        </a:solidFill>
+        <a:gradFill rotWithShape="1">
+          <a:gsLst>
+            <a:gs pos="0">
+              <a:schemeClr val="phClr">
+                <a:lumMod val="110000"/>
+                <a:satMod val="105000"/>
+                <a:tint val="67000"/>
+              </a:schemeClr>
+            </a:gs>
+            <a:gs pos="50000">
+              <a:schemeClr val="phClr">
+                <a:lumMod val="105000"/>
+                <a:satMod val="103000"/>
+                <a:tint val="73000"/>
+              </a:schemeClr>
+            </a:gs>
+            <a:gs pos="100000">
+              <a:schemeClr val="phClr">
+                <a:lumMod val="105000"/>
+                <a:satMod val="109000"/>
+                <a:tint val="81000"/>
+              </a:schemeClr>
+            </a:gs>
+          </a:gsLst>
+          <a:lin ang="5400000" scaled="0"/>
+        </a:gradFill>
+        <a:gradFill rotWithShape="1">
+          <a:gsLst>
+            <a:gs pos="0">
+              <a:schemeClr val="phClr">
+                <a:satMod val="103000"/>
+                <a:lumMod val="102000"/>
+                <a:tint val="94000"/>
+              </a:schemeClr>
+            </a:gs>
+            <a:gs pos="50000">
+              <a:schemeClr val="phClr">
+                <a:satMod val="110000"/>
+                <a:lumMod val="100000"/>
+                <a:shade val="100000"/>
+              </a:schemeClr>
+            </a:gs>
+            <a:gs pos="100000">
+              <a:schemeClr val="phClr">
+                <a:lumMod val="99000"/>
+                <a:satMod val="120000"/>
+                <a:shade val="78000"/>
+              </a:schemeClr>
+            </a:gs>
+          </a:gsLst>
+          <a:lin ang="5400000" scaled="0"/>
+        </a:gradFill>
+      </a:fillStyleLst>
+      <a:lnStyleLst>
+        <a:ln w="6350" cap="flat" cmpd="sng" algn="ctr">
+          <a:solidFill>
+            <a:schemeClr val="phClr"/>
+          </a:solidFill>
+          <a:prstDash val="solid"/>
+          <a:miter lim="800000"/>
+        </a:ln>
+        <a:ln w="12700" cap="flat" cmpd="sng" algn="ctr">
+          <a:solidFill>
+            <a:schemeClr val="phClr"/>
+          </a:solidFill>
+          <a:prstDash val="solid"/>
+          <a:miter lim="800000"/>
+        </a:ln>
+        <a:ln w="19050" cap="flat" cmpd="sng" algn="ctr">
+          <a:solidFill>
+            <a:schemeClr val="phClr"/>
+          </a:solidFill>
+          <a:prstDash val="solid"/>
+          <a:miter lim="800000"/>
+        </a:ln>
+      </a:lnStyleLst>
+      <a:effectStyleLst>
+        <a:effectStyle>
+          <a:effectLst/>
+        </a:effectStyle>
+        <a:effectStyle>
+          <a:effectLst/>
+        </a:effectStyle>
+        <a:effectStyle>
+          <a:effectLst>
+            <a:outerShdw blurRad="57150" dist="19050" dir="5400000" algn="ctr" rotWithShape="0">
+              <a:srgbClr val="000000">
+                <a:alpha val="63000"/>
+              </a:srgbClr>
+            </a:outerShdw>
+          </a:effectLst>
+        </a:effectStyle>
+      </a:effectStyleLst>
+      <a:bgFillStyleLst>
+        <a:solidFill>
+          <a:schemeClr val="phClr"/>
+        </a:solidFill>
+        <a:solidFill>
+          <a:schemeClr val="phClr">
+            <a:tint val="95000"/>
+            <a:satMod val="170000"/>
+          </a:schemeClr>
+        </a:solidFill>
+        <a:gradFill rotWithShape="1">
+          <a:gsLst>
+            <a:gs pos="0">
+              <a:schemeClr val="phClr">
+                <a:tint val="93000"/>
+                <a:satMod val="150000"/>
+                <a:shade val="98000"/>
+                <a:lumMod val="102000"/>
+              </a:schemeClr>
+            </a:gs>
+            <a:gs pos="50000">
+              <a:schemeClr val="phClr">
+                <a:tint val="98000"/>
+                <a:satMod val="130000"/>
+                <a:shade val="90000"/>
+                <a:lumMod val="103000"/>
+              </a:schemeClr>
+            </a:gs>
+            <a:gs pos="100000">
+              <a:schemeClr val="phClr">
+                <a:shade val="63000"/>
+                <a:satMod val="120000"/>
+              </a:schemeClr>
+            </a:gs>
+          </a:gsLst>
+          <a:lin ang="5400000" scaled="0"/>
+        </a:gradFill>
+      </a:bgFillStyleLst>
+    </a:fmtScheme>
+  </a:themeElements>
+  <a:objectDefaults/>
+  <a:extraClrSchemeLst/>
+  <a:extLst>
+    <a:ext uri="{05A4C25C-085E-4340-85A3-A5531E510DB2}">
+      <thm15:themeFamily xmlns:thm15="http://schemas.microsoft.com/office/thememl/2012/main" name="Office Theme" id="{62F939B6-93AF-4DB8-9C6B-D6C7DFDC589F}" vid="{4A3C46E8-61CC-4603-A589-7422A47A8E4A}"/>
+    </a:ext>
+  </a:extLst>
+</a:theme>
 </file>
--- a/Task 3/Jon Fryman - D214 - Task 3.pptx
+++ b/Task 3/Jon Fryman - D214 - Task 3.pptx
@@ -5162,7 +5162,7 @@
         </p:nvSpPr>
         <p:spPr>
           <a:xfrm>
-            <a:off x="3371193" y="545251"/>
+            <a:off x="3371193" y="652763"/>
             <a:ext cx="4532586" cy="854075"/>
           </a:xfrm>
         </p:spPr>
@@ -5195,7 +5195,7 @@
         </p:nvSpPr>
         <p:spPr>
           <a:xfrm>
-            <a:off x="838200" y="1399326"/>
+            <a:off x="838200" y="1554984"/>
             <a:ext cx="10365828" cy="1874016"/>
           </a:xfrm>
         </p:spPr>
@@ -5243,7 +5243,7 @@
         </p:nvSpPr>
         <p:spPr>
           <a:xfrm>
-            <a:off x="4281651" y="3574780"/>
+            <a:off x="4281651" y="4016060"/>
             <a:ext cx="2711670" cy="686950"/>
           </a:xfrm>
           <a:prstGeom prst="rect">
@@ -5297,7 +5297,7 @@
         </p:nvSpPr>
         <p:spPr>
           <a:xfrm>
-            <a:off x="838200" y="4435996"/>
+            <a:off x="838200" y="4791677"/>
             <a:ext cx="9598572" cy="1022678"/>
           </a:xfrm>
           <a:prstGeom prst="rect">
